--- a/Documents/이전 작업 내용/[김세윤]옵션_적용방식_1125.pptx
+++ b/Documents/이전 작업 내용/[김세윤]옵션_적용방식_1125.pptx
@@ -258,7 +258,7 @@
       </p15:sldGuideLst>
     </p:ext>
     <p:ext uri="http://customooxmlschemas.google.com/">
-      <go:slidesCustomData xmlns:go="http://customooxmlschemas.google.com/" xmlns:ahyp="http://schemas.microsoft.com/office/drawing/2018/hyperlinkcolor" xmlns:p15="http://schemas.microsoft.com/office/powerpoint/2012/main" xmlns:p14="http://schemas.microsoft.com/office/powerpoint/2010/main" xmlns:com="http://schemas.openxmlformats.org/drawingml/2006/compatibility" xmlns:pvml="urn:schemas-microsoft-com:office:powerpoint" xmlns:v="urn:schemas-microsoft-com:vml" xmlns:o="urn:schemas-microsoft-com:office:office" xmlns:dgm="http://schemas.openxmlformats.org/drawingml/2006/diagram" xmlns:c="http://schemas.openxmlformats.org/drawingml/2006/chart" xmlns:mv="urn:schemas-microsoft-com:mac:vml" xmlns:mc="http://schemas.openxmlformats.org/markup-compatibility/2006" xmlns="" r:id="rId16" roundtripDataSignature="AMtx7mhKmedLHE+j2ZCv6+rLSlM+PU20Vg=="/>
+      <go:slidesCustomData xmlns="" xmlns:mc="http://schemas.openxmlformats.org/markup-compatibility/2006" xmlns:mv="urn:schemas-microsoft-com:mac:vml" xmlns:c="http://schemas.openxmlformats.org/drawingml/2006/chart" xmlns:dgm="http://schemas.openxmlformats.org/drawingml/2006/diagram" xmlns:o="urn:schemas-microsoft-com:office:office" xmlns:v="urn:schemas-microsoft-com:vml" xmlns:pvml="urn:schemas-microsoft-com:office:powerpoint" xmlns:com="http://schemas.openxmlformats.org/drawingml/2006/compatibility" xmlns:p14="http://schemas.microsoft.com/office/powerpoint/2010/main" xmlns:p15="http://schemas.microsoft.com/office/powerpoint/2012/main" xmlns:ahyp="http://schemas.microsoft.com/office/drawing/2018/hyperlinkcolor" xmlns:go="http://customooxmlschemas.google.com/" r:id="rId16" roundtripDataSignature="AMtx7mhKmedLHE+j2ZCv6+rLSlM+PU20Vg=="/>
     </p:ext>
   </p:extLst>
 </p:presentation>
@@ -13645,7 +13645,7 @@
         <p:spPr>
           <a:xfrm>
             <a:off x="9614654" y="800303"/>
-            <a:ext cx="2298504" cy="1200288"/>
+            <a:ext cx="2117943" cy="1477287"/>
           </a:xfrm>
           <a:prstGeom prst="rect">
             <a:avLst/>
@@ -13712,7 +13712,7 @@
                 <a:cs typeface="Malgun Gothic"/>
                 <a:sym typeface="Malgun Gothic"/>
               </a:rPr>
-              <a:t>음향 조절에 대한 내용이 있고 음향을 </a:t>
+              <a:t>전체 음향 조절에 대한 내용이 있고 음향을 </a:t>
             </a:r>
             <a:r>
               <a:rPr lang="en-US" altLang="ko-KR" sz="1200" dirty="0">
@@ -13932,7 +13932,7 @@
         </p:nvSpPr>
         <p:spPr>
           <a:xfrm>
-            <a:off x="9392981" y="2060054"/>
+            <a:off x="9392981" y="2340824"/>
             <a:ext cx="221672" cy="218249"/>
           </a:xfrm>
           <a:prstGeom prst="rect">
@@ -13998,7 +13998,7 @@
         </p:nvSpPr>
         <p:spPr>
           <a:xfrm>
-            <a:off x="9614654" y="1984534"/>
+            <a:off x="9614654" y="2265304"/>
             <a:ext cx="2298504" cy="1477287"/>
           </a:xfrm>
           <a:prstGeom prst="rect">

--- a/Documents/이전 작업 내용/[김세윤]옵션_적용방식_1125.pptx
+++ b/Documents/이전 작업 내용/[김세윤]옵션_적용방식_1125.pptx
@@ -5,11 +5,13 @@
     <p:sldMasterId id="2147483648" r:id="rId1"/>
   </p:sldMasterIdLst>
   <p:notesMasterIdLst>
-    <p:notesMasterId r:id="rId4"/>
+    <p:notesMasterId r:id="rId6"/>
   </p:notesMasterIdLst>
   <p:sldIdLst>
     <p:sldId id="256" r:id="rId2"/>
-    <p:sldId id="257" r:id="rId3"/>
+    <p:sldId id="258" r:id="rId3"/>
+    <p:sldId id="259" r:id="rId4"/>
+    <p:sldId id="260" r:id="rId5"/>
   </p:sldIdLst>
   <p:sldSz cx="12192000" cy="6858000"/>
   <p:notesSz cx="6858000" cy="9144000"/>
@@ -258,7 +260,7 @@
       </p15:sldGuideLst>
     </p:ext>
     <p:ext uri="http://customooxmlschemas.google.com/">
-      <go:slidesCustomData xmlns="" xmlns:mc="http://schemas.openxmlformats.org/markup-compatibility/2006" xmlns:mv="urn:schemas-microsoft-com:mac:vml" xmlns:c="http://schemas.openxmlformats.org/drawingml/2006/chart" xmlns:dgm="http://schemas.openxmlformats.org/drawingml/2006/diagram" xmlns:o="urn:schemas-microsoft-com:office:office" xmlns:v="urn:schemas-microsoft-com:vml" xmlns:pvml="urn:schemas-microsoft-com:office:powerpoint" xmlns:com="http://schemas.openxmlformats.org/drawingml/2006/compatibility" xmlns:p14="http://schemas.microsoft.com/office/powerpoint/2010/main" xmlns:p15="http://schemas.microsoft.com/office/powerpoint/2012/main" xmlns:ahyp="http://schemas.microsoft.com/office/drawing/2018/hyperlinkcolor" xmlns:go="http://customooxmlschemas.google.com/" r:id="rId16" roundtripDataSignature="AMtx7mhKmedLHE+j2ZCv6+rLSlM+PU20Vg=="/>
+      <go:slidesCustomData xmlns:go="http://customooxmlschemas.google.com/" xmlns:ahyp="http://schemas.microsoft.com/office/drawing/2018/hyperlinkcolor" xmlns:p15="http://schemas.microsoft.com/office/powerpoint/2012/main" xmlns:p14="http://schemas.microsoft.com/office/powerpoint/2010/main" xmlns:com="http://schemas.openxmlformats.org/drawingml/2006/compatibility" xmlns:pvml="urn:schemas-microsoft-com:office:powerpoint" xmlns:v="urn:schemas-microsoft-com:vml" xmlns:o="urn:schemas-microsoft-com:office:office" xmlns:dgm="http://schemas.openxmlformats.org/drawingml/2006/diagram" xmlns:c="http://schemas.openxmlformats.org/drawingml/2006/chart" xmlns:mv="urn:schemas-microsoft-com:mac:vml" xmlns:mc="http://schemas.openxmlformats.org/markup-compatibility/2006" xmlns="" r:id="rId16" roundtripDataSignature="AMtx7mhKmedLHE+j2ZCv6+rLSlM+PU20Vg=="/>
     </p:ext>
   </p:extLst>
 </p:presentation>
@@ -1718,6 +1720,349 @@
         </p:txBody>
       </p:sp>
     </p:spTree>
+    <p:extLst>
+      <p:ext uri="{BB962C8B-B14F-4D97-AF65-F5344CB8AC3E}">
+        <p14:creationId xmlns:p14="http://schemas.microsoft.com/office/powerpoint/2010/main" val="3694043660"/>
+      </p:ext>
+    </p:extLst>
+  </p:cSld>
+  <p:clrMapOvr>
+    <a:masterClrMapping/>
+  </p:clrMapOvr>
+</p:notes>
+</file>
+
+<file path=ppt/notesSlides/notesSlide3.xml><?xml version="1.0" encoding="utf-8"?>
+<p:notes xmlns:a="http://schemas.openxmlformats.org/drawingml/2006/main" xmlns:r="http://schemas.openxmlformats.org/officeDocument/2006/relationships" xmlns:p="http://schemas.openxmlformats.org/presentationml/2006/main" showMasterSp="0" showMasterPhAnim="0">
+  <p:cSld>
+    <p:spTree>
+      <p:nvGrpSpPr>
+        <p:cNvPr id="1" name="Shape 90"/>
+        <p:cNvGrpSpPr/>
+        <p:nvPr/>
+      </p:nvGrpSpPr>
+      <p:grpSpPr>
+        <a:xfrm>
+          <a:off x="0" y="0"/>
+          <a:ext cx="0" cy="0"/>
+          <a:chOff x="0" y="0"/>
+          <a:chExt cx="0" cy="0"/>
+        </a:xfrm>
+      </p:grpSpPr>
+      <p:sp>
+        <p:nvSpPr>
+          <p:cNvPr id="91" name="Google Shape;91;p2:notes"/>
+          <p:cNvSpPr>
+            <a:spLocks noGrp="1" noRot="1" noChangeAspect="1"/>
+          </p:cNvSpPr>
+          <p:nvPr>
+            <p:ph type="sldImg" idx="2"/>
+          </p:nvPr>
+        </p:nvSpPr>
+        <p:spPr>
+          <a:xfrm>
+            <a:off x="685800" y="1143000"/>
+            <a:ext cx="5486400" cy="3086100"/>
+          </a:xfrm>
+          <a:custGeom>
+            <a:avLst/>
+            <a:gdLst/>
+            <a:ahLst/>
+            <a:cxnLst/>
+            <a:rect l="l" t="t" r="r" b="b"/>
+            <a:pathLst>
+              <a:path w="120000" h="120000" extrusionOk="0">
+                <a:moveTo>
+                  <a:pt x="0" y="0"/>
+                </a:moveTo>
+                <a:lnTo>
+                  <a:pt x="120000" y="0"/>
+                </a:lnTo>
+                <a:lnTo>
+                  <a:pt x="120000" y="120000"/>
+                </a:lnTo>
+                <a:lnTo>
+                  <a:pt x="0" y="120000"/>
+                </a:lnTo>
+                <a:close/>
+              </a:path>
+            </a:pathLst>
+          </a:custGeom>
+          <a:noFill/>
+          <a:ln w="12700" cap="flat" cmpd="sng">
+            <a:solidFill>
+              <a:srgbClr val="000000"/>
+            </a:solidFill>
+            <a:prstDash val="solid"/>
+            <a:round/>
+            <a:headEnd type="none" w="sm" len="sm"/>
+            <a:tailEnd type="none" w="sm" len="sm"/>
+          </a:ln>
+        </p:spPr>
+      </p:sp>
+      <p:sp>
+        <p:nvSpPr>
+          <p:cNvPr id="92" name="Google Shape;92;p2:notes"/>
+          <p:cNvSpPr txBox="1">
+            <a:spLocks noGrp="1"/>
+          </p:cNvSpPr>
+          <p:nvPr>
+            <p:ph type="body" idx="1"/>
+          </p:nvPr>
+        </p:nvSpPr>
+        <p:spPr>
+          <a:xfrm>
+            <a:off x="685800" y="4400550"/>
+            <a:ext cx="5486400" cy="3600450"/>
+          </a:xfrm>
+          <a:prstGeom prst="rect">
+            <a:avLst/>
+          </a:prstGeom>
+          <a:noFill/>
+          <a:ln>
+            <a:noFill/>
+          </a:ln>
+        </p:spPr>
+        <p:txBody>
+          <a:bodyPr spcFirstLastPara="1" wrap="square" lIns="91425" tIns="45700" rIns="91425" bIns="45700" anchor="t" anchorCtr="0">
+            <a:noAutofit/>
+          </a:bodyPr>
+          <a:lstStyle/>
+          <a:p>
+            <a:pPr marL="0" lvl="0" indent="0" algn="l" rtl="0">
+              <a:spcBef>
+                <a:spcPts val="0"/>
+              </a:spcBef>
+              <a:spcAft>
+                <a:spcPts val="0"/>
+              </a:spcAft>
+              <a:buNone/>
+            </a:pPr>
+            <a:endParaRPr/>
+          </a:p>
+        </p:txBody>
+      </p:sp>
+      <p:sp>
+        <p:nvSpPr>
+          <p:cNvPr id="93" name="Google Shape;93;p2:notes"/>
+          <p:cNvSpPr txBox="1">
+            <a:spLocks noGrp="1"/>
+          </p:cNvSpPr>
+          <p:nvPr>
+            <p:ph type="sldNum" idx="12"/>
+          </p:nvPr>
+        </p:nvSpPr>
+        <p:spPr>
+          <a:xfrm>
+            <a:off x="3884613" y="8685213"/>
+            <a:ext cx="2971800" cy="458787"/>
+          </a:xfrm>
+          <a:prstGeom prst="rect">
+            <a:avLst/>
+          </a:prstGeom>
+          <a:noFill/>
+          <a:ln>
+            <a:noFill/>
+          </a:ln>
+        </p:spPr>
+        <p:txBody>
+          <a:bodyPr spcFirstLastPara="1" wrap="square" lIns="91425" tIns="45700" rIns="91425" bIns="45700" anchor="b" anchorCtr="0">
+            <a:noAutofit/>
+          </a:bodyPr>
+          <a:lstStyle/>
+          <a:p>
+            <a:pPr marL="0" lvl="0" indent="0" algn="r" rtl="0">
+              <a:spcBef>
+                <a:spcPts val="0"/>
+              </a:spcBef>
+              <a:spcAft>
+                <a:spcPts val="0"/>
+              </a:spcAft>
+              <a:buNone/>
+            </a:pPr>
+            <a:fld id="{00000000-1234-1234-1234-123412341234}" type="slidenum">
+              <a:rPr lang="en-US" altLang="ko-KR"/>
+              <a:t>3</a:t>
+            </a:fld>
+            <a:endParaRPr/>
+          </a:p>
+        </p:txBody>
+      </p:sp>
+    </p:spTree>
+    <p:extLst>
+      <p:ext uri="{BB962C8B-B14F-4D97-AF65-F5344CB8AC3E}">
+        <p14:creationId xmlns:p14="http://schemas.microsoft.com/office/powerpoint/2010/main" val="1528804586"/>
+      </p:ext>
+    </p:extLst>
+  </p:cSld>
+  <p:clrMapOvr>
+    <a:masterClrMapping/>
+  </p:clrMapOvr>
+</p:notes>
+</file>
+
+<file path=ppt/notesSlides/notesSlide4.xml><?xml version="1.0" encoding="utf-8"?>
+<p:notes xmlns:a="http://schemas.openxmlformats.org/drawingml/2006/main" xmlns:r="http://schemas.openxmlformats.org/officeDocument/2006/relationships" xmlns:p="http://schemas.openxmlformats.org/presentationml/2006/main" showMasterSp="0" showMasterPhAnim="0">
+  <p:cSld>
+    <p:spTree>
+      <p:nvGrpSpPr>
+        <p:cNvPr id="1" name="Shape 90"/>
+        <p:cNvGrpSpPr/>
+        <p:nvPr/>
+      </p:nvGrpSpPr>
+      <p:grpSpPr>
+        <a:xfrm>
+          <a:off x="0" y="0"/>
+          <a:ext cx="0" cy="0"/>
+          <a:chOff x="0" y="0"/>
+          <a:chExt cx="0" cy="0"/>
+        </a:xfrm>
+      </p:grpSpPr>
+      <p:sp>
+        <p:nvSpPr>
+          <p:cNvPr id="91" name="Google Shape;91;p2:notes"/>
+          <p:cNvSpPr>
+            <a:spLocks noGrp="1" noRot="1" noChangeAspect="1"/>
+          </p:cNvSpPr>
+          <p:nvPr>
+            <p:ph type="sldImg" idx="2"/>
+          </p:nvPr>
+        </p:nvSpPr>
+        <p:spPr>
+          <a:xfrm>
+            <a:off x="685800" y="1143000"/>
+            <a:ext cx="5486400" cy="3086100"/>
+          </a:xfrm>
+          <a:custGeom>
+            <a:avLst/>
+            <a:gdLst/>
+            <a:ahLst/>
+            <a:cxnLst/>
+            <a:rect l="l" t="t" r="r" b="b"/>
+            <a:pathLst>
+              <a:path w="120000" h="120000" extrusionOk="0">
+                <a:moveTo>
+                  <a:pt x="0" y="0"/>
+                </a:moveTo>
+                <a:lnTo>
+                  <a:pt x="120000" y="0"/>
+                </a:lnTo>
+                <a:lnTo>
+                  <a:pt x="120000" y="120000"/>
+                </a:lnTo>
+                <a:lnTo>
+                  <a:pt x="0" y="120000"/>
+                </a:lnTo>
+                <a:close/>
+              </a:path>
+            </a:pathLst>
+          </a:custGeom>
+          <a:noFill/>
+          <a:ln w="12700" cap="flat" cmpd="sng">
+            <a:solidFill>
+              <a:srgbClr val="000000"/>
+            </a:solidFill>
+            <a:prstDash val="solid"/>
+            <a:round/>
+            <a:headEnd type="none" w="sm" len="sm"/>
+            <a:tailEnd type="none" w="sm" len="sm"/>
+          </a:ln>
+        </p:spPr>
+      </p:sp>
+      <p:sp>
+        <p:nvSpPr>
+          <p:cNvPr id="92" name="Google Shape;92;p2:notes"/>
+          <p:cNvSpPr txBox="1">
+            <a:spLocks noGrp="1"/>
+          </p:cNvSpPr>
+          <p:nvPr>
+            <p:ph type="body" idx="1"/>
+          </p:nvPr>
+        </p:nvSpPr>
+        <p:spPr>
+          <a:xfrm>
+            <a:off x="685800" y="4400550"/>
+            <a:ext cx="5486400" cy="3600450"/>
+          </a:xfrm>
+          <a:prstGeom prst="rect">
+            <a:avLst/>
+          </a:prstGeom>
+          <a:noFill/>
+          <a:ln>
+            <a:noFill/>
+          </a:ln>
+        </p:spPr>
+        <p:txBody>
+          <a:bodyPr spcFirstLastPara="1" wrap="square" lIns="91425" tIns="45700" rIns="91425" bIns="45700" anchor="t" anchorCtr="0">
+            <a:noAutofit/>
+          </a:bodyPr>
+          <a:lstStyle/>
+          <a:p>
+            <a:pPr marL="0" lvl="0" indent="0" algn="l" rtl="0">
+              <a:spcBef>
+                <a:spcPts val="0"/>
+              </a:spcBef>
+              <a:spcAft>
+                <a:spcPts val="0"/>
+              </a:spcAft>
+              <a:buNone/>
+            </a:pPr>
+            <a:endParaRPr/>
+          </a:p>
+        </p:txBody>
+      </p:sp>
+      <p:sp>
+        <p:nvSpPr>
+          <p:cNvPr id="93" name="Google Shape;93;p2:notes"/>
+          <p:cNvSpPr txBox="1">
+            <a:spLocks noGrp="1"/>
+          </p:cNvSpPr>
+          <p:nvPr>
+            <p:ph type="sldNum" idx="12"/>
+          </p:nvPr>
+        </p:nvSpPr>
+        <p:spPr>
+          <a:xfrm>
+            <a:off x="3884613" y="8685213"/>
+            <a:ext cx="2971800" cy="458787"/>
+          </a:xfrm>
+          <a:prstGeom prst="rect">
+            <a:avLst/>
+          </a:prstGeom>
+          <a:noFill/>
+          <a:ln>
+            <a:noFill/>
+          </a:ln>
+        </p:spPr>
+        <p:txBody>
+          <a:bodyPr spcFirstLastPara="1" wrap="square" lIns="91425" tIns="45700" rIns="91425" bIns="45700" anchor="b" anchorCtr="0">
+            <a:noAutofit/>
+          </a:bodyPr>
+          <a:lstStyle/>
+          <a:p>
+            <a:pPr marL="0" lvl="0" indent="0" algn="r" rtl="0">
+              <a:spcBef>
+                <a:spcPts val="0"/>
+              </a:spcBef>
+              <a:spcAft>
+                <a:spcPts val="0"/>
+              </a:spcAft>
+              <a:buNone/>
+            </a:pPr>
+            <a:fld id="{00000000-1234-1234-1234-123412341234}" type="slidenum">
+              <a:rPr lang="en-US" altLang="ko-KR"/>
+              <a:t>4</a:t>
+            </a:fld>
+            <a:endParaRPr/>
+          </a:p>
+        </p:txBody>
+      </p:sp>
+    </p:spTree>
+    <p:extLst>
+      <p:ext uri="{BB962C8B-B14F-4D97-AF65-F5344CB8AC3E}">
+        <p14:creationId xmlns:p14="http://schemas.microsoft.com/office/powerpoint/2010/main" val="3770968015"/>
+      </p:ext>
+    </p:extLst>
   </p:cSld>
   <p:clrMapOvr>
     <a:masterClrMapping/>
@@ -12458,6 +12803,172 @@
       </p:pic>
       <p:sp>
         <p:nvSpPr>
+          <p:cNvPr id="2" name="직사각형 1">
+            <a:extLst>
+              <a:ext uri="{FF2B5EF4-FFF2-40B4-BE49-F238E27FC236}">
+                <a16:creationId xmlns:a16="http://schemas.microsoft.com/office/drawing/2014/main" id="{081D5A11-368A-4C95-A25C-E6693199330A}"/>
+              </a:ext>
+            </a:extLst>
+          </p:cNvPr>
+          <p:cNvSpPr/>
+          <p:nvPr/>
+        </p:nvSpPr>
+        <p:spPr>
+          <a:xfrm>
+            <a:off x="459401" y="1320497"/>
+            <a:ext cx="8417146" cy="4737200"/>
+          </a:xfrm>
+          <a:prstGeom prst="rect">
+            <a:avLst/>
+          </a:prstGeom>
+          <a:solidFill>
+            <a:schemeClr val="tx1">
+              <a:alpha val="30000"/>
+            </a:schemeClr>
+          </a:solidFill>
+          <a:ln>
+            <a:noFill/>
+          </a:ln>
+        </p:spPr>
+        <p:style>
+          <a:lnRef idx="2">
+            <a:schemeClr val="accent1">
+              <a:shade val="50000"/>
+            </a:schemeClr>
+          </a:lnRef>
+          <a:fillRef idx="1">
+            <a:schemeClr val="accent1"/>
+          </a:fillRef>
+          <a:effectRef idx="0">
+            <a:schemeClr val="accent1"/>
+          </a:effectRef>
+          <a:fontRef idx="minor">
+            <a:schemeClr val="lt1"/>
+          </a:fontRef>
+        </p:style>
+        <p:txBody>
+          <a:bodyPr rtlCol="0" anchor="ctr"/>
+          <a:lstStyle/>
+          <a:p>
+            <a:pPr algn="ctr"/>
+            <a:endParaRPr lang="ko-KR" altLang="en-US" dirty="0"/>
+          </a:p>
+        </p:txBody>
+      </p:sp>
+      <p:sp>
+        <p:nvSpPr>
+          <p:cNvPr id="5" name="직사각형 4">
+            <a:extLst>
+              <a:ext uri="{FF2B5EF4-FFF2-40B4-BE49-F238E27FC236}">
+                <a16:creationId xmlns:a16="http://schemas.microsoft.com/office/drawing/2014/main" id="{DBA60AE5-17E1-4D37-9AE9-2A60A39E33EC}"/>
+              </a:ext>
+            </a:extLst>
+          </p:cNvPr>
+          <p:cNvSpPr/>
+          <p:nvPr/>
+        </p:nvSpPr>
+        <p:spPr>
+          <a:xfrm>
+            <a:off x="2654424" y="2385214"/>
+            <a:ext cx="4025654" cy="2272413"/>
+          </a:xfrm>
+          <a:prstGeom prst="rect">
+            <a:avLst/>
+          </a:prstGeom>
+          <a:solidFill>
+            <a:srgbClr val="394B54">
+              <a:alpha val="60000"/>
+            </a:srgbClr>
+          </a:solidFill>
+          <a:ln>
+            <a:solidFill>
+              <a:schemeClr val="bg1"/>
+            </a:solidFill>
+          </a:ln>
+        </p:spPr>
+        <p:style>
+          <a:lnRef idx="2">
+            <a:schemeClr val="accent1">
+              <a:shade val="50000"/>
+            </a:schemeClr>
+          </a:lnRef>
+          <a:fillRef idx="1">
+            <a:schemeClr val="accent1"/>
+          </a:fillRef>
+          <a:effectRef idx="0">
+            <a:schemeClr val="accent1"/>
+          </a:effectRef>
+          <a:fontRef idx="minor">
+            <a:schemeClr val="lt1"/>
+          </a:fontRef>
+        </p:style>
+        <p:txBody>
+          <a:bodyPr rtlCol="0" anchor="ctr"/>
+          <a:lstStyle/>
+          <a:p>
+            <a:pPr algn="ctr"/>
+            <a:endParaRPr lang="ko-KR" altLang="en-US"/>
+          </a:p>
+        </p:txBody>
+      </p:sp>
+      <p:sp>
+        <p:nvSpPr>
+          <p:cNvPr id="35" name="직사각형 34">
+            <a:extLst>
+              <a:ext uri="{FF2B5EF4-FFF2-40B4-BE49-F238E27FC236}">
+                <a16:creationId xmlns:a16="http://schemas.microsoft.com/office/drawing/2014/main" id="{2032D0F8-1487-42CB-9110-0F619D35BCF3}"/>
+              </a:ext>
+            </a:extLst>
+          </p:cNvPr>
+          <p:cNvSpPr/>
+          <p:nvPr/>
+        </p:nvSpPr>
+        <p:spPr>
+          <a:xfrm>
+            <a:off x="2781113" y="3018076"/>
+            <a:ext cx="3713439" cy="1479754"/>
+          </a:xfrm>
+          <a:prstGeom prst="rect">
+            <a:avLst/>
+          </a:prstGeom>
+          <a:solidFill>
+            <a:srgbClr val="394B54">
+              <a:alpha val="60000"/>
+            </a:srgbClr>
+          </a:solidFill>
+          <a:ln>
+            <a:solidFill>
+              <a:schemeClr val="bg1"/>
+            </a:solidFill>
+          </a:ln>
+        </p:spPr>
+        <p:style>
+          <a:lnRef idx="2">
+            <a:schemeClr val="accent1">
+              <a:shade val="50000"/>
+            </a:schemeClr>
+          </a:lnRef>
+          <a:fillRef idx="1">
+            <a:schemeClr val="accent1"/>
+          </a:fillRef>
+          <a:effectRef idx="0">
+            <a:schemeClr val="accent1"/>
+          </a:effectRef>
+          <a:fontRef idx="minor">
+            <a:schemeClr val="lt1"/>
+          </a:fontRef>
+        </p:style>
+        <p:txBody>
+          <a:bodyPr rtlCol="0" anchor="ctr"/>
+          <a:lstStyle/>
+          <a:p>
+            <a:pPr algn="ctr"/>
+            <a:endParaRPr lang="ko-KR" altLang="en-US"/>
+          </a:p>
+        </p:txBody>
+      </p:sp>
+      <p:sp>
+        <p:nvSpPr>
           <p:cNvPr id="95" name="Google Shape;95;p2"/>
           <p:cNvSpPr txBox="1"/>
           <p:nvPr/>
@@ -12465,7 +12976,7 @@
         <p:spPr>
           <a:xfrm>
             <a:off x="118878" y="257917"/>
-            <a:ext cx="2738250" cy="369332"/>
+            <a:ext cx="3871230" cy="369291"/>
           </a:xfrm>
           <a:prstGeom prst="rect">
             <a:avLst/>
@@ -12491,7 +13002,7 @@
               <a:buNone/>
             </a:pPr>
             <a:r>
-              <a:rPr lang="ko-KR" altLang="en-US" sz="1800" b="0" i="0" u="none" strike="noStrike" cap="none" dirty="0">
+              <a:rPr lang="ko-KR" altLang="en-US" sz="1800" b="0" i="0" u="none" strike="noStrike" cap="none">
                 <a:solidFill>
                   <a:schemeClr val="dk1"/>
                 </a:solidFill>
@@ -12503,7 +13014,7 @@
               <a:t>옵션 </a:t>
             </a:r>
             <a:r>
-              <a:rPr lang="ko-KR" sz="1800" b="0" i="0" u="none" strike="noStrike" cap="none" dirty="0">
+              <a:rPr lang="ko-KR" sz="1800" b="0" i="0" u="none" strike="noStrike" cap="none">
                 <a:solidFill>
                   <a:schemeClr val="dk1"/>
                 </a:solidFill>
@@ -12513,6 +13024,18 @@
                 <a:sym typeface="Malgun Gothic"/>
               </a:rPr>
               <a:t>구성</a:t>
+            </a:r>
+            <a:r>
+              <a:rPr lang="ko-KR" altLang="en-US" sz="1800">
+                <a:solidFill>
+                  <a:schemeClr val="dk1"/>
+                </a:solidFill>
+                <a:latin typeface="Malgun Gothic"/>
+                <a:ea typeface="Malgun Gothic"/>
+                <a:cs typeface="Malgun Gothic"/>
+                <a:sym typeface="Malgun Gothic"/>
+              </a:rPr>
+              <a:t>에 대한 시스템 디자인</a:t>
             </a:r>
             <a:endParaRPr sz="1800" dirty="0">
               <a:solidFill>
@@ -12644,7 +13167,7 @@
               <a:buChar char="•"/>
             </a:pPr>
             <a:r>
-              <a:rPr lang="ko-KR" altLang="en-US" sz="1200" dirty="0">
+              <a:rPr lang="ko-KR" altLang="en-US" sz="1200" dirty="0" err="1">
                 <a:solidFill>
                   <a:schemeClr val="dk1"/>
                 </a:solidFill>
@@ -12653,10 +13176,10 @@
                 <a:cs typeface="Malgun Gothic"/>
                 <a:sym typeface="Malgun Gothic"/>
               </a:rPr>
-              <a:t>옵션 </a:t>
+              <a:t>예람씨가</a:t>
             </a:r>
             <a:r>
-              <a:rPr lang="en-US" altLang="ko-KR" sz="1200" dirty="0">
+              <a:rPr lang="ko-KR" altLang="en-US" sz="1200" dirty="0">
                 <a:solidFill>
                   <a:schemeClr val="dk1"/>
                 </a:solidFill>
@@ -12665,10 +13188,10 @@
                 <a:cs typeface="Malgun Gothic"/>
                 <a:sym typeface="Malgun Gothic"/>
               </a:rPr>
-              <a:t>UI</a:t>
+              <a:t> 구성해둔 백그라운드를 그대로 사용한다</a:t>
             </a:r>
             <a:r>
-              <a:rPr lang="ko-KR" altLang="en-US" sz="1200" dirty="0">
+              <a:rPr lang="en-US" altLang="ko-KR" sz="1200" dirty="0">
                 <a:solidFill>
                   <a:schemeClr val="dk1"/>
                 </a:solidFill>
@@ -12677,11 +13200,1135 @@
                 <a:cs typeface="Malgun Gothic"/>
                 <a:sym typeface="Malgun Gothic"/>
               </a:rPr>
-              <a:t>는 아래와 같이 구성을 하고 용도는 우측에서 설명</a:t>
+              <a:t>.</a:t>
+            </a:r>
+            <a:endParaRPr lang="ko-KR" altLang="en-US" sz="1200" dirty="0">
+              <a:solidFill>
+                <a:schemeClr val="dk1"/>
+              </a:solidFill>
+              <a:latin typeface="Malgun Gothic"/>
+              <a:ea typeface="Malgun Gothic"/>
+              <a:cs typeface="Malgun Gothic"/>
+              <a:sym typeface="Malgun Gothic"/>
+            </a:endParaRPr>
+          </a:p>
+        </p:txBody>
+      </p:sp>
+      <p:sp>
+        <p:nvSpPr>
+          <p:cNvPr id="11" name="직사각형 10">
+            <a:extLst>
+              <a:ext uri="{FF2B5EF4-FFF2-40B4-BE49-F238E27FC236}">
+                <a16:creationId xmlns:a16="http://schemas.microsoft.com/office/drawing/2014/main" id="{50306452-7DA7-4C00-864E-51A347C3BB80}"/>
+              </a:ext>
+            </a:extLst>
+          </p:cNvPr>
+          <p:cNvSpPr/>
+          <p:nvPr/>
+        </p:nvSpPr>
+        <p:spPr>
+          <a:xfrm>
+            <a:off x="4101484" y="2486178"/>
+            <a:ext cx="1132980" cy="454394"/>
+          </a:xfrm>
+          <a:prstGeom prst="rect">
+            <a:avLst/>
+          </a:prstGeom>
+          <a:solidFill>
+            <a:schemeClr val="tx1"/>
+          </a:solidFill>
+          <a:ln>
+            <a:noFill/>
+          </a:ln>
+        </p:spPr>
+        <p:style>
+          <a:lnRef idx="2">
+            <a:schemeClr val="accent1">
+              <a:shade val="50000"/>
+            </a:schemeClr>
+          </a:lnRef>
+          <a:fillRef idx="1">
+            <a:schemeClr val="accent1"/>
+          </a:fillRef>
+          <a:effectRef idx="0">
+            <a:schemeClr val="accent1"/>
+          </a:effectRef>
+          <a:fontRef idx="minor">
+            <a:schemeClr val="lt1"/>
+          </a:fontRef>
+        </p:style>
+        <p:txBody>
+          <a:bodyPr rtlCol="0" anchor="ctr"/>
+          <a:lstStyle/>
+          <a:p>
+            <a:pPr algn="ctr"/>
+            <a:r>
+              <a:rPr lang="ko-KR" altLang="en-US" dirty="0"/>
+              <a:t>음향 조절</a:t>
             </a:r>
           </a:p>
         </p:txBody>
       </p:sp>
+      <p:sp>
+        <p:nvSpPr>
+          <p:cNvPr id="16" name="직사각형 15">
+            <a:extLst>
+              <a:ext uri="{FF2B5EF4-FFF2-40B4-BE49-F238E27FC236}">
+                <a16:creationId xmlns:a16="http://schemas.microsoft.com/office/drawing/2014/main" id="{2AB4C629-09F0-422B-A157-8A395162ABD9}"/>
+              </a:ext>
+            </a:extLst>
+          </p:cNvPr>
+          <p:cNvSpPr/>
+          <p:nvPr/>
+        </p:nvSpPr>
+        <p:spPr>
+          <a:xfrm>
+            <a:off x="2857128" y="2482249"/>
+            <a:ext cx="1132980" cy="454394"/>
+          </a:xfrm>
+          <a:prstGeom prst="rect">
+            <a:avLst/>
+          </a:prstGeom>
+          <a:solidFill>
+            <a:schemeClr val="tx1"/>
+          </a:solidFill>
+          <a:ln>
+            <a:noFill/>
+          </a:ln>
+        </p:spPr>
+        <p:style>
+          <a:lnRef idx="2">
+            <a:schemeClr val="accent1">
+              <a:shade val="50000"/>
+            </a:schemeClr>
+          </a:lnRef>
+          <a:fillRef idx="1">
+            <a:schemeClr val="accent1"/>
+          </a:fillRef>
+          <a:effectRef idx="0">
+            <a:schemeClr val="accent1"/>
+          </a:effectRef>
+          <a:fontRef idx="minor">
+            <a:schemeClr val="lt1"/>
+          </a:fontRef>
+        </p:style>
+        <p:txBody>
+          <a:bodyPr rtlCol="0" anchor="ctr"/>
+          <a:lstStyle/>
+          <a:p>
+            <a:pPr algn="ctr"/>
+            <a:r>
+              <a:rPr lang="ko-KR" altLang="en-US" dirty="0"/>
+              <a:t>단축키</a:t>
+            </a:r>
+          </a:p>
+        </p:txBody>
+      </p:sp>
+      <p:sp>
+        <p:nvSpPr>
+          <p:cNvPr id="17" name="TextBox 16">
+            <a:extLst>
+              <a:ext uri="{FF2B5EF4-FFF2-40B4-BE49-F238E27FC236}">
+                <a16:creationId xmlns:a16="http://schemas.microsoft.com/office/drawing/2014/main" id="{CB6CDBB8-07C8-4498-B6FC-0886B9283758}"/>
+              </a:ext>
+            </a:extLst>
+          </p:cNvPr>
+          <p:cNvSpPr txBox="1"/>
+          <p:nvPr/>
+        </p:nvSpPr>
+        <p:spPr>
+          <a:xfrm>
+            <a:off x="2842565" y="3415772"/>
+            <a:ext cx="1024639" cy="246221"/>
+          </a:xfrm>
+          <a:prstGeom prst="rect">
+            <a:avLst/>
+          </a:prstGeom>
+          <a:noFill/>
+        </p:spPr>
+        <p:txBody>
+          <a:bodyPr wrap="none" rtlCol="0">
+            <a:spAutoFit/>
+          </a:bodyPr>
+          <a:lstStyle/>
+          <a:p>
+            <a:r>
+              <a:rPr lang="ko-KR" altLang="en-US" sz="1000" dirty="0">
+                <a:solidFill>
+                  <a:schemeClr val="bg1"/>
+                </a:solidFill>
+              </a:rPr>
+              <a:t>시계 방향 회전</a:t>
+            </a:r>
+          </a:p>
+        </p:txBody>
+      </p:sp>
+      <p:sp>
+        <p:nvSpPr>
+          <p:cNvPr id="18" name="TextBox 17">
+            <a:extLst>
+              <a:ext uri="{FF2B5EF4-FFF2-40B4-BE49-F238E27FC236}">
+                <a16:creationId xmlns:a16="http://schemas.microsoft.com/office/drawing/2014/main" id="{54A6E263-296B-4F22-ACDB-76BBA9BBCEB3}"/>
+              </a:ext>
+            </a:extLst>
+          </p:cNvPr>
+          <p:cNvSpPr txBox="1"/>
+          <p:nvPr/>
+        </p:nvSpPr>
+        <p:spPr>
+          <a:xfrm>
+            <a:off x="2842565" y="3812919"/>
+            <a:ext cx="1152880" cy="246221"/>
+          </a:xfrm>
+          <a:prstGeom prst="rect">
+            <a:avLst/>
+          </a:prstGeom>
+          <a:noFill/>
+        </p:spPr>
+        <p:txBody>
+          <a:bodyPr wrap="none" rtlCol="0">
+            <a:spAutoFit/>
+          </a:bodyPr>
+          <a:lstStyle/>
+          <a:p>
+            <a:r>
+              <a:rPr lang="ko-KR" altLang="en-US" sz="1000" dirty="0">
+                <a:solidFill>
+                  <a:schemeClr val="bg1"/>
+                </a:solidFill>
+              </a:rPr>
+              <a:t>반시계 방향 회전</a:t>
+            </a:r>
+          </a:p>
+        </p:txBody>
+      </p:sp>
+      <p:sp>
+        <p:nvSpPr>
+          <p:cNvPr id="21" name="TextBox 20">
+            <a:extLst>
+              <a:ext uri="{FF2B5EF4-FFF2-40B4-BE49-F238E27FC236}">
+                <a16:creationId xmlns:a16="http://schemas.microsoft.com/office/drawing/2014/main" id="{79B7C036-C97A-47CD-A670-87AD13589CA7}"/>
+              </a:ext>
+            </a:extLst>
+          </p:cNvPr>
+          <p:cNvSpPr txBox="1"/>
+          <p:nvPr/>
+        </p:nvSpPr>
+        <p:spPr>
+          <a:xfrm>
+            <a:off x="6190469" y="3415772"/>
+            <a:ext cx="269625" cy="246221"/>
+          </a:xfrm>
+          <a:prstGeom prst="rect">
+            <a:avLst/>
+          </a:prstGeom>
+          <a:noFill/>
+        </p:spPr>
+        <p:txBody>
+          <a:bodyPr wrap="none" rtlCol="0">
+            <a:spAutoFit/>
+          </a:bodyPr>
+          <a:lstStyle/>
+          <a:p>
+            <a:pPr algn="r"/>
+            <a:r>
+              <a:rPr lang="en-US" altLang="ko-KR" sz="1000" dirty="0">
+                <a:solidFill>
+                  <a:schemeClr val="bg1"/>
+                </a:solidFill>
+              </a:rPr>
+              <a:t>E</a:t>
+            </a:r>
+            <a:endParaRPr lang="ko-KR" altLang="en-US" sz="1000" dirty="0">
+              <a:solidFill>
+                <a:schemeClr val="bg1"/>
+              </a:solidFill>
+            </a:endParaRPr>
+          </a:p>
+        </p:txBody>
+      </p:sp>
+      <p:sp>
+        <p:nvSpPr>
+          <p:cNvPr id="22" name="TextBox 21">
+            <a:extLst>
+              <a:ext uri="{FF2B5EF4-FFF2-40B4-BE49-F238E27FC236}">
+                <a16:creationId xmlns:a16="http://schemas.microsoft.com/office/drawing/2014/main" id="{C44ECDEE-FBE0-4501-B1B6-F0A5AD565913}"/>
+              </a:ext>
+            </a:extLst>
+          </p:cNvPr>
+          <p:cNvSpPr txBox="1"/>
+          <p:nvPr/>
+        </p:nvSpPr>
+        <p:spPr>
+          <a:xfrm>
+            <a:off x="6176041" y="3812919"/>
+            <a:ext cx="284053" cy="246221"/>
+          </a:xfrm>
+          <a:prstGeom prst="rect">
+            <a:avLst/>
+          </a:prstGeom>
+          <a:noFill/>
+        </p:spPr>
+        <p:txBody>
+          <a:bodyPr wrap="none" rtlCol="0">
+            <a:spAutoFit/>
+          </a:bodyPr>
+          <a:lstStyle/>
+          <a:p>
+            <a:pPr algn="r"/>
+            <a:r>
+              <a:rPr lang="en-US" altLang="ko-KR" sz="1000" dirty="0">
+                <a:solidFill>
+                  <a:schemeClr val="bg1"/>
+                </a:solidFill>
+              </a:rPr>
+              <a:t>Q</a:t>
+            </a:r>
+            <a:endParaRPr lang="ko-KR" altLang="en-US" sz="1000" dirty="0">
+              <a:solidFill>
+                <a:schemeClr val="bg1"/>
+              </a:solidFill>
+            </a:endParaRPr>
+          </a:p>
+        </p:txBody>
+      </p:sp>
+      <p:sp>
+        <p:nvSpPr>
+          <p:cNvPr id="10" name="직사각형 9">
+            <a:extLst>
+              <a:ext uri="{FF2B5EF4-FFF2-40B4-BE49-F238E27FC236}">
+                <a16:creationId xmlns:a16="http://schemas.microsoft.com/office/drawing/2014/main" id="{92634720-1290-49E5-90F0-ABC9DE19B6F6}"/>
+              </a:ext>
+            </a:extLst>
+          </p:cNvPr>
+          <p:cNvSpPr/>
+          <p:nvPr/>
+        </p:nvSpPr>
+        <p:spPr>
+          <a:xfrm>
+            <a:off x="9392981" y="875823"/>
+            <a:ext cx="221672" cy="218249"/>
+          </a:xfrm>
+          <a:prstGeom prst="rect">
+            <a:avLst/>
+          </a:prstGeom>
+          <a:solidFill>
+            <a:schemeClr val="bg1"/>
+          </a:solidFill>
+          <a:ln>
+            <a:solidFill>
+              <a:srgbClr val="FF0000"/>
+            </a:solidFill>
+          </a:ln>
+        </p:spPr>
+        <p:style>
+          <a:lnRef idx="2">
+            <a:schemeClr val="accent1">
+              <a:shade val="50000"/>
+            </a:schemeClr>
+          </a:lnRef>
+          <a:fillRef idx="1">
+            <a:schemeClr val="accent1"/>
+          </a:fillRef>
+          <a:effectRef idx="0">
+            <a:schemeClr val="accent1"/>
+          </a:effectRef>
+          <a:fontRef idx="minor">
+            <a:schemeClr val="lt1"/>
+          </a:fontRef>
+        </p:style>
+        <p:txBody>
+          <a:bodyPr rtlCol="0" anchor="ctr"/>
+          <a:lstStyle/>
+          <a:p>
+            <a:pPr algn="ctr"/>
+            <a:r>
+              <a:rPr lang="en-US" altLang="ko-KR" dirty="0">
+                <a:solidFill>
+                  <a:schemeClr val="tx1"/>
+                </a:solidFill>
+              </a:rPr>
+              <a:t>1</a:t>
+            </a:r>
+            <a:endParaRPr lang="ko-KR" altLang="en-US" dirty="0">
+              <a:solidFill>
+                <a:schemeClr val="tx1"/>
+              </a:solidFill>
+            </a:endParaRPr>
+          </a:p>
+        </p:txBody>
+      </p:sp>
+      <p:sp>
+        <p:nvSpPr>
+          <p:cNvPr id="28" name="Google Shape;101;p2">
+            <a:extLst>
+              <a:ext uri="{FF2B5EF4-FFF2-40B4-BE49-F238E27FC236}">
+                <a16:creationId xmlns:a16="http://schemas.microsoft.com/office/drawing/2014/main" id="{8CDC454F-0BDF-4D4B-ADC9-504276329534}"/>
+              </a:ext>
+            </a:extLst>
+          </p:cNvPr>
+          <p:cNvSpPr txBox="1"/>
+          <p:nvPr/>
+        </p:nvSpPr>
+        <p:spPr>
+          <a:xfrm>
+            <a:off x="9614654" y="800303"/>
+            <a:ext cx="2117943" cy="1477287"/>
+          </a:xfrm>
+          <a:prstGeom prst="rect">
+            <a:avLst/>
+          </a:prstGeom>
+          <a:noFill/>
+          <a:ln>
+            <a:noFill/>
+          </a:ln>
+        </p:spPr>
+        <p:txBody>
+          <a:bodyPr spcFirstLastPara="1" wrap="square" lIns="91425" tIns="45700" rIns="91425" bIns="45700" anchor="t" anchorCtr="0">
+            <a:spAutoFit/>
+          </a:bodyPr>
+          <a:lstStyle/>
+          <a:p>
+            <a:pPr marL="171450" marR="0" lvl="0" indent="-171450" algn="l" rtl="0">
+              <a:lnSpc>
+                <a:spcPct val="150000"/>
+              </a:lnSpc>
+              <a:spcBef>
+                <a:spcPts val="0"/>
+              </a:spcBef>
+              <a:spcAft>
+                <a:spcPts val="0"/>
+              </a:spcAft>
+              <a:buClr>
+                <a:schemeClr val="dk1"/>
+              </a:buClr>
+              <a:buSzPts val="1200"/>
+              <a:buFont typeface="Arial"/>
+              <a:buChar char="•"/>
+            </a:pPr>
+            <a:r>
+              <a:rPr lang="ko-KR" altLang="en-US" sz="1200" dirty="0">
+                <a:solidFill>
+                  <a:schemeClr val="dk1"/>
+                </a:solidFill>
+                <a:latin typeface="Malgun Gothic"/>
+                <a:ea typeface="Malgun Gothic"/>
+                <a:cs typeface="Malgun Gothic"/>
+                <a:sym typeface="Malgun Gothic"/>
+              </a:rPr>
+              <a:t>버튼 형식</a:t>
+            </a:r>
+            <a:r>
+              <a:rPr lang="en-US" altLang="ko-KR" sz="1200" dirty="0">
+                <a:solidFill>
+                  <a:schemeClr val="dk1"/>
+                </a:solidFill>
+                <a:latin typeface="Malgun Gothic"/>
+                <a:ea typeface="Malgun Gothic"/>
+                <a:cs typeface="Malgun Gothic"/>
+                <a:sym typeface="Malgun Gothic"/>
+              </a:rPr>
+              <a:t>, </a:t>
+            </a:r>
+            <a:r>
+              <a:rPr lang="ko-KR" altLang="en-US" sz="1200" dirty="0">
+                <a:solidFill>
+                  <a:schemeClr val="dk1"/>
+                </a:solidFill>
+                <a:latin typeface="Malgun Gothic"/>
+                <a:ea typeface="Malgun Gothic"/>
+                <a:cs typeface="Malgun Gothic"/>
+                <a:sym typeface="Malgun Gothic"/>
+              </a:rPr>
+              <a:t>으로 단축키</a:t>
+            </a:r>
+            <a:r>
+              <a:rPr lang="en-US" altLang="ko-KR" sz="1200" dirty="0">
+                <a:solidFill>
+                  <a:schemeClr val="dk1"/>
+                </a:solidFill>
+                <a:latin typeface="Malgun Gothic"/>
+                <a:ea typeface="Malgun Gothic"/>
+                <a:cs typeface="Malgun Gothic"/>
+                <a:sym typeface="Malgun Gothic"/>
+              </a:rPr>
+              <a:t>, </a:t>
+            </a:r>
+            <a:r>
+              <a:rPr lang="ko-KR" altLang="en-US" sz="1200" dirty="0">
+                <a:solidFill>
+                  <a:schemeClr val="dk1"/>
+                </a:solidFill>
+                <a:latin typeface="Malgun Gothic"/>
+                <a:ea typeface="Malgun Gothic"/>
+                <a:cs typeface="Malgun Gothic"/>
+                <a:sym typeface="Malgun Gothic"/>
+              </a:rPr>
+              <a:t>음향 조절</a:t>
+            </a:r>
+            <a:r>
+              <a:rPr lang="en-US" altLang="ko-KR" sz="1200" dirty="0">
+                <a:solidFill>
+                  <a:schemeClr val="dk1"/>
+                </a:solidFill>
+                <a:latin typeface="Malgun Gothic"/>
+                <a:ea typeface="Malgun Gothic"/>
+                <a:cs typeface="Malgun Gothic"/>
+                <a:sym typeface="Malgun Gothic"/>
+              </a:rPr>
+              <a:t>, </a:t>
+            </a:r>
+            <a:r>
+              <a:rPr lang="ko-KR" altLang="en-US" sz="1200" dirty="0">
+                <a:solidFill>
+                  <a:schemeClr val="dk1"/>
+                </a:solidFill>
+                <a:latin typeface="Malgun Gothic"/>
+                <a:ea typeface="Malgun Gothic"/>
+                <a:cs typeface="Malgun Gothic"/>
+                <a:sym typeface="Malgun Gothic"/>
+              </a:rPr>
+              <a:t>비디오의 버튼을 누르면 아래의 </a:t>
+            </a:r>
+            <a:r>
+              <a:rPr lang="en-US" altLang="ko-KR" sz="1200" dirty="0">
+                <a:solidFill>
+                  <a:schemeClr val="dk1"/>
+                </a:solidFill>
+                <a:latin typeface="Malgun Gothic"/>
+                <a:ea typeface="Malgun Gothic"/>
+                <a:cs typeface="Malgun Gothic"/>
+                <a:sym typeface="Malgun Gothic"/>
+              </a:rPr>
+              <a:t>2</a:t>
+            </a:r>
+            <a:r>
+              <a:rPr lang="ko-KR" altLang="en-US" sz="1200" dirty="0">
+                <a:solidFill>
+                  <a:schemeClr val="dk1"/>
+                </a:solidFill>
+                <a:latin typeface="Malgun Gothic"/>
+                <a:ea typeface="Malgun Gothic"/>
+                <a:cs typeface="Malgun Gothic"/>
+                <a:sym typeface="Malgun Gothic"/>
+              </a:rPr>
+              <a:t>번이 변경 되는 방식으로 사용한다</a:t>
+            </a:r>
+            <a:r>
+              <a:rPr lang="en-US" altLang="ko-KR" sz="1200" dirty="0">
+                <a:solidFill>
+                  <a:schemeClr val="dk1"/>
+                </a:solidFill>
+                <a:latin typeface="Malgun Gothic"/>
+                <a:ea typeface="Malgun Gothic"/>
+                <a:cs typeface="Malgun Gothic"/>
+                <a:sym typeface="Malgun Gothic"/>
+              </a:rPr>
+              <a:t>.</a:t>
+            </a:r>
+            <a:endParaRPr lang="ko-KR" altLang="en-US" sz="1200" dirty="0">
+              <a:solidFill>
+                <a:schemeClr val="dk1"/>
+              </a:solidFill>
+              <a:latin typeface="Malgun Gothic"/>
+              <a:ea typeface="Malgun Gothic"/>
+              <a:cs typeface="Malgun Gothic"/>
+              <a:sym typeface="Malgun Gothic"/>
+            </a:endParaRPr>
+          </a:p>
+        </p:txBody>
+      </p:sp>
+      <p:sp>
+        <p:nvSpPr>
+          <p:cNvPr id="31" name="직사각형 30">
+            <a:extLst>
+              <a:ext uri="{FF2B5EF4-FFF2-40B4-BE49-F238E27FC236}">
+                <a16:creationId xmlns:a16="http://schemas.microsoft.com/office/drawing/2014/main" id="{DA718C66-1075-4E1B-BF4A-5BDFC190520E}"/>
+              </a:ext>
+            </a:extLst>
+          </p:cNvPr>
+          <p:cNvSpPr/>
+          <p:nvPr/>
+        </p:nvSpPr>
+        <p:spPr>
+          <a:xfrm>
+            <a:off x="9392981" y="2340824"/>
+            <a:ext cx="221672" cy="218249"/>
+          </a:xfrm>
+          <a:prstGeom prst="rect">
+            <a:avLst/>
+          </a:prstGeom>
+          <a:solidFill>
+            <a:schemeClr val="bg1"/>
+          </a:solidFill>
+          <a:ln>
+            <a:solidFill>
+              <a:srgbClr val="FF0000"/>
+            </a:solidFill>
+          </a:ln>
+        </p:spPr>
+        <p:style>
+          <a:lnRef idx="2">
+            <a:schemeClr val="accent1">
+              <a:shade val="50000"/>
+            </a:schemeClr>
+          </a:lnRef>
+          <a:fillRef idx="1">
+            <a:schemeClr val="accent1"/>
+          </a:fillRef>
+          <a:effectRef idx="0">
+            <a:schemeClr val="accent1"/>
+          </a:effectRef>
+          <a:fontRef idx="minor">
+            <a:schemeClr val="lt1"/>
+          </a:fontRef>
+        </p:style>
+        <p:txBody>
+          <a:bodyPr rtlCol="0" anchor="ctr"/>
+          <a:lstStyle/>
+          <a:p>
+            <a:pPr algn="ctr"/>
+            <a:r>
+              <a:rPr lang="en-US" altLang="ko-KR" dirty="0">
+                <a:solidFill>
+                  <a:schemeClr val="tx1"/>
+                </a:solidFill>
+              </a:rPr>
+              <a:t>2</a:t>
+            </a:r>
+            <a:endParaRPr lang="ko-KR" altLang="en-US" dirty="0">
+              <a:solidFill>
+                <a:schemeClr val="tx1"/>
+              </a:solidFill>
+            </a:endParaRPr>
+          </a:p>
+        </p:txBody>
+      </p:sp>
+      <p:sp>
+        <p:nvSpPr>
+          <p:cNvPr id="32" name="Google Shape;101;p2">
+            <a:extLst>
+              <a:ext uri="{FF2B5EF4-FFF2-40B4-BE49-F238E27FC236}">
+                <a16:creationId xmlns:a16="http://schemas.microsoft.com/office/drawing/2014/main" id="{89F47838-ACFC-4BBE-B9EA-5E45F811D779}"/>
+              </a:ext>
+            </a:extLst>
+          </p:cNvPr>
+          <p:cNvSpPr txBox="1"/>
+          <p:nvPr/>
+        </p:nvSpPr>
+        <p:spPr>
+          <a:xfrm>
+            <a:off x="9614654" y="2265304"/>
+            <a:ext cx="2202914" cy="1754286"/>
+          </a:xfrm>
+          <a:prstGeom prst="rect">
+            <a:avLst/>
+          </a:prstGeom>
+          <a:noFill/>
+          <a:ln>
+            <a:noFill/>
+          </a:ln>
+        </p:spPr>
+        <p:txBody>
+          <a:bodyPr spcFirstLastPara="1" wrap="square" lIns="91425" tIns="45700" rIns="91425" bIns="45700" anchor="t" anchorCtr="0">
+            <a:spAutoFit/>
+          </a:bodyPr>
+          <a:lstStyle/>
+          <a:p>
+            <a:pPr marL="171450" marR="0" lvl="0" indent="-171450" algn="l" rtl="0">
+              <a:lnSpc>
+                <a:spcPct val="150000"/>
+              </a:lnSpc>
+              <a:spcBef>
+                <a:spcPts val="0"/>
+              </a:spcBef>
+              <a:spcAft>
+                <a:spcPts val="0"/>
+              </a:spcAft>
+              <a:buClr>
+                <a:schemeClr val="dk1"/>
+              </a:buClr>
+              <a:buSzPts val="1200"/>
+              <a:buFont typeface="Arial"/>
+              <a:buChar char="•"/>
+            </a:pPr>
+            <a:r>
+              <a:rPr lang="ko-KR" altLang="en-US" sz="1200" dirty="0">
+                <a:solidFill>
+                  <a:schemeClr val="dk1"/>
+                </a:solidFill>
+                <a:latin typeface="Malgun Gothic"/>
+                <a:ea typeface="Malgun Gothic"/>
+                <a:cs typeface="Malgun Gothic"/>
+                <a:sym typeface="Malgun Gothic"/>
+              </a:rPr>
+              <a:t>맨 처음 옵션을 들어왔을 때 단축키를 여기에 표시 해준다</a:t>
+            </a:r>
+            <a:r>
+              <a:rPr lang="en-US" altLang="ko-KR" sz="1200" dirty="0">
+                <a:solidFill>
+                  <a:schemeClr val="dk1"/>
+                </a:solidFill>
+                <a:latin typeface="Malgun Gothic"/>
+                <a:ea typeface="Malgun Gothic"/>
+                <a:cs typeface="Malgun Gothic"/>
+                <a:sym typeface="Malgun Gothic"/>
+              </a:rPr>
+              <a:t>. </a:t>
+            </a:r>
+          </a:p>
+          <a:p>
+            <a:pPr marL="171450" marR="0" lvl="0" indent="-171450" algn="l" rtl="0">
+              <a:lnSpc>
+                <a:spcPct val="150000"/>
+              </a:lnSpc>
+              <a:spcBef>
+                <a:spcPts val="0"/>
+              </a:spcBef>
+              <a:spcAft>
+                <a:spcPts val="0"/>
+              </a:spcAft>
+              <a:buClr>
+                <a:schemeClr val="dk1"/>
+              </a:buClr>
+              <a:buSzPts val="1200"/>
+              <a:buFont typeface="Arial"/>
+              <a:buChar char="•"/>
+            </a:pPr>
+            <a:r>
+              <a:rPr lang="ko-KR" altLang="en-US" sz="1200" dirty="0">
+                <a:solidFill>
+                  <a:schemeClr val="dk1"/>
+                </a:solidFill>
+                <a:latin typeface="Malgun Gothic"/>
+                <a:ea typeface="Malgun Gothic"/>
+                <a:cs typeface="Malgun Gothic"/>
+                <a:sym typeface="Malgun Gothic"/>
+              </a:rPr>
+              <a:t>해당 단축키는 회전 단축키 </a:t>
+            </a:r>
+            <a:r>
+              <a:rPr lang="en-US" altLang="ko-KR" sz="1200" dirty="0">
+                <a:solidFill>
+                  <a:schemeClr val="dk1"/>
+                </a:solidFill>
+                <a:latin typeface="Malgun Gothic"/>
+                <a:ea typeface="Malgun Gothic"/>
+                <a:cs typeface="Malgun Gothic"/>
+                <a:sym typeface="Malgun Gothic"/>
+              </a:rPr>
+              <a:t>2</a:t>
+            </a:r>
+            <a:r>
+              <a:rPr lang="ko-KR" altLang="en-US" sz="1200" dirty="0">
+                <a:solidFill>
+                  <a:schemeClr val="dk1"/>
+                </a:solidFill>
+                <a:latin typeface="Malgun Gothic"/>
+                <a:ea typeface="Malgun Gothic"/>
+                <a:cs typeface="Malgun Gothic"/>
+                <a:sym typeface="Malgun Gothic"/>
+              </a:rPr>
+              <a:t>개만 있으며</a:t>
+            </a:r>
+            <a:r>
+              <a:rPr lang="en-US" altLang="ko-KR" sz="1200" dirty="0">
+                <a:solidFill>
+                  <a:schemeClr val="dk1"/>
+                </a:solidFill>
+                <a:latin typeface="Malgun Gothic"/>
+                <a:ea typeface="Malgun Gothic"/>
+                <a:cs typeface="Malgun Gothic"/>
+                <a:sym typeface="Malgun Gothic"/>
+              </a:rPr>
+              <a:t>, </a:t>
+            </a:r>
+            <a:r>
+              <a:rPr lang="ko-KR" altLang="en-US" sz="1200" dirty="0">
+                <a:solidFill>
+                  <a:schemeClr val="dk1"/>
+                </a:solidFill>
+                <a:latin typeface="Malgun Gothic"/>
+                <a:ea typeface="Malgun Gothic"/>
+                <a:cs typeface="Malgun Gothic"/>
+                <a:sym typeface="Malgun Gothic"/>
+              </a:rPr>
+              <a:t>단축키는 수정 할 수 없다</a:t>
+            </a:r>
+            <a:r>
+              <a:rPr lang="en-US" altLang="ko-KR" sz="1200" dirty="0">
+                <a:solidFill>
+                  <a:schemeClr val="dk1"/>
+                </a:solidFill>
+                <a:latin typeface="Malgun Gothic"/>
+                <a:ea typeface="Malgun Gothic"/>
+                <a:cs typeface="Malgun Gothic"/>
+                <a:sym typeface="Malgun Gothic"/>
+              </a:rPr>
+              <a:t>.</a:t>
+            </a:r>
+          </a:p>
+        </p:txBody>
+      </p:sp>
+      <p:sp>
+        <p:nvSpPr>
+          <p:cNvPr id="33" name="직사각형 32">
+            <a:extLst>
+              <a:ext uri="{FF2B5EF4-FFF2-40B4-BE49-F238E27FC236}">
+                <a16:creationId xmlns:a16="http://schemas.microsoft.com/office/drawing/2014/main" id="{CF7B6287-BC03-4BA8-89E5-3BC6886DB645}"/>
+              </a:ext>
+            </a:extLst>
+          </p:cNvPr>
+          <p:cNvSpPr/>
+          <p:nvPr/>
+        </p:nvSpPr>
+        <p:spPr>
+          <a:xfrm>
+            <a:off x="5437168" y="2486178"/>
+            <a:ext cx="1132980" cy="454394"/>
+          </a:xfrm>
+          <a:prstGeom prst="rect">
+            <a:avLst/>
+          </a:prstGeom>
+          <a:solidFill>
+            <a:schemeClr val="tx1"/>
+          </a:solidFill>
+          <a:ln>
+            <a:noFill/>
+          </a:ln>
+        </p:spPr>
+        <p:style>
+          <a:lnRef idx="2">
+            <a:schemeClr val="accent1">
+              <a:shade val="50000"/>
+            </a:schemeClr>
+          </a:lnRef>
+          <a:fillRef idx="1">
+            <a:schemeClr val="accent1"/>
+          </a:fillRef>
+          <a:effectRef idx="0">
+            <a:schemeClr val="accent1"/>
+          </a:effectRef>
+          <a:fontRef idx="minor">
+            <a:schemeClr val="lt1"/>
+          </a:fontRef>
+        </p:style>
+        <p:txBody>
+          <a:bodyPr rtlCol="0" anchor="ctr"/>
+          <a:lstStyle/>
+          <a:p>
+            <a:pPr algn="ctr"/>
+            <a:r>
+              <a:rPr lang="ko-KR" altLang="en-US" dirty="0"/>
+              <a:t>비디오</a:t>
+            </a:r>
+          </a:p>
+        </p:txBody>
+      </p:sp>
+      <p:sp>
+        <p:nvSpPr>
+          <p:cNvPr id="36" name="직사각형 35">
+            <a:extLst>
+              <a:ext uri="{FF2B5EF4-FFF2-40B4-BE49-F238E27FC236}">
+                <a16:creationId xmlns:a16="http://schemas.microsoft.com/office/drawing/2014/main" id="{985ECD53-8FD2-4350-8B6E-237C715AD8CB}"/>
+              </a:ext>
+            </a:extLst>
+          </p:cNvPr>
+          <p:cNvSpPr/>
+          <p:nvPr/>
+        </p:nvSpPr>
+        <p:spPr>
+          <a:xfrm>
+            <a:off x="2574523" y="2299317"/>
+            <a:ext cx="4208017" cy="816746"/>
+          </a:xfrm>
+          <a:prstGeom prst="rect">
+            <a:avLst/>
+          </a:prstGeom>
+          <a:solidFill>
+            <a:schemeClr val="bg1">
+              <a:alpha val="0"/>
+            </a:schemeClr>
+          </a:solidFill>
+          <a:ln>
+            <a:solidFill>
+              <a:srgbClr val="FF0000"/>
+            </a:solidFill>
+          </a:ln>
+        </p:spPr>
+        <p:style>
+          <a:lnRef idx="2">
+            <a:schemeClr val="accent1">
+              <a:shade val="50000"/>
+            </a:schemeClr>
+          </a:lnRef>
+          <a:fillRef idx="1">
+            <a:schemeClr val="accent1"/>
+          </a:fillRef>
+          <a:effectRef idx="0">
+            <a:schemeClr val="accent1"/>
+          </a:effectRef>
+          <a:fontRef idx="minor">
+            <a:schemeClr val="lt1"/>
+          </a:fontRef>
+        </p:style>
+        <p:txBody>
+          <a:bodyPr rtlCol="0" anchor="ctr"/>
+          <a:lstStyle/>
+          <a:p>
+            <a:pPr algn="ctr"/>
+            <a:endParaRPr lang="ko-KR" altLang="en-US"/>
+          </a:p>
+        </p:txBody>
+      </p:sp>
+      <p:sp>
+        <p:nvSpPr>
+          <p:cNvPr id="37" name="직사각형 36">
+            <a:extLst>
+              <a:ext uri="{FF2B5EF4-FFF2-40B4-BE49-F238E27FC236}">
+                <a16:creationId xmlns:a16="http://schemas.microsoft.com/office/drawing/2014/main" id="{D5414534-C332-4ECD-8104-0F765366FFBF}"/>
+              </a:ext>
+            </a:extLst>
+          </p:cNvPr>
+          <p:cNvSpPr/>
+          <p:nvPr/>
+        </p:nvSpPr>
+        <p:spPr>
+          <a:xfrm>
+            <a:off x="2463687" y="2190192"/>
+            <a:ext cx="221672" cy="218249"/>
+          </a:xfrm>
+          <a:prstGeom prst="rect">
+            <a:avLst/>
+          </a:prstGeom>
+          <a:solidFill>
+            <a:schemeClr val="bg1"/>
+          </a:solidFill>
+          <a:ln>
+            <a:solidFill>
+              <a:srgbClr val="FF0000"/>
+            </a:solidFill>
+          </a:ln>
+        </p:spPr>
+        <p:style>
+          <a:lnRef idx="2">
+            <a:schemeClr val="accent1">
+              <a:shade val="50000"/>
+            </a:schemeClr>
+          </a:lnRef>
+          <a:fillRef idx="1">
+            <a:schemeClr val="accent1"/>
+          </a:fillRef>
+          <a:effectRef idx="0">
+            <a:schemeClr val="accent1"/>
+          </a:effectRef>
+          <a:fontRef idx="minor">
+            <a:schemeClr val="lt1"/>
+          </a:fontRef>
+        </p:style>
+        <p:txBody>
+          <a:bodyPr rtlCol="0" anchor="ctr"/>
+          <a:lstStyle/>
+          <a:p>
+            <a:pPr algn="ctr"/>
+            <a:r>
+              <a:rPr lang="en-US" altLang="ko-KR" dirty="0">
+                <a:solidFill>
+                  <a:schemeClr val="tx1"/>
+                </a:solidFill>
+              </a:rPr>
+              <a:t>1</a:t>
+            </a:r>
+            <a:endParaRPr lang="ko-KR" altLang="en-US" dirty="0">
+              <a:solidFill>
+                <a:schemeClr val="tx1"/>
+              </a:solidFill>
+            </a:endParaRPr>
+          </a:p>
+        </p:txBody>
+      </p:sp>
+      <p:sp>
+        <p:nvSpPr>
+          <p:cNvPr id="39" name="직사각형 38">
+            <a:extLst>
+              <a:ext uri="{FF2B5EF4-FFF2-40B4-BE49-F238E27FC236}">
+                <a16:creationId xmlns:a16="http://schemas.microsoft.com/office/drawing/2014/main" id="{BC2356C2-4263-4661-8BD3-722A5F227F5C}"/>
+              </a:ext>
+            </a:extLst>
+          </p:cNvPr>
+          <p:cNvSpPr/>
+          <p:nvPr/>
+        </p:nvSpPr>
+        <p:spPr>
+          <a:xfrm>
+            <a:off x="2709041" y="2939318"/>
+            <a:ext cx="3861108" cy="1623804"/>
+          </a:xfrm>
+          <a:prstGeom prst="rect">
+            <a:avLst/>
+          </a:prstGeom>
+          <a:solidFill>
+            <a:schemeClr val="bg1">
+              <a:alpha val="0"/>
+            </a:schemeClr>
+          </a:solidFill>
+          <a:ln>
+            <a:solidFill>
+              <a:srgbClr val="FF0000"/>
+            </a:solidFill>
+          </a:ln>
+        </p:spPr>
+        <p:style>
+          <a:lnRef idx="2">
+            <a:schemeClr val="accent1">
+              <a:shade val="50000"/>
+            </a:schemeClr>
+          </a:lnRef>
+          <a:fillRef idx="1">
+            <a:schemeClr val="accent1"/>
+          </a:fillRef>
+          <a:effectRef idx="0">
+            <a:schemeClr val="accent1"/>
+          </a:effectRef>
+          <a:fontRef idx="minor">
+            <a:schemeClr val="lt1"/>
+          </a:fontRef>
+        </p:style>
+        <p:txBody>
+          <a:bodyPr rtlCol="0" anchor="ctr"/>
+          <a:lstStyle/>
+          <a:p>
+            <a:pPr algn="ctr"/>
+            <a:endParaRPr lang="ko-KR" altLang="en-US"/>
+          </a:p>
+        </p:txBody>
+      </p:sp>
+      <p:sp>
+        <p:nvSpPr>
+          <p:cNvPr id="40" name="직사각형 39">
+            <a:extLst>
+              <a:ext uri="{FF2B5EF4-FFF2-40B4-BE49-F238E27FC236}">
+                <a16:creationId xmlns:a16="http://schemas.microsoft.com/office/drawing/2014/main" id="{B8A6C2C8-2323-4A26-B257-4AECDD40D6D1}"/>
+              </a:ext>
+            </a:extLst>
+          </p:cNvPr>
+          <p:cNvSpPr/>
+          <p:nvPr/>
+        </p:nvSpPr>
+        <p:spPr>
+          <a:xfrm>
+            <a:off x="2602633" y="3255554"/>
+            <a:ext cx="221672" cy="218249"/>
+          </a:xfrm>
+          <a:prstGeom prst="rect">
+            <a:avLst/>
+          </a:prstGeom>
+          <a:solidFill>
+            <a:schemeClr val="bg1"/>
+          </a:solidFill>
+          <a:ln>
+            <a:solidFill>
+              <a:srgbClr val="FF0000"/>
+            </a:solidFill>
+          </a:ln>
+        </p:spPr>
+        <p:style>
+          <a:lnRef idx="2">
+            <a:schemeClr val="accent1">
+              <a:shade val="50000"/>
+            </a:schemeClr>
+          </a:lnRef>
+          <a:fillRef idx="1">
+            <a:schemeClr val="accent1"/>
+          </a:fillRef>
+          <a:effectRef idx="0">
+            <a:schemeClr val="accent1"/>
+          </a:effectRef>
+          <a:fontRef idx="minor">
+            <a:schemeClr val="lt1"/>
+          </a:fontRef>
+        </p:style>
+        <p:txBody>
+          <a:bodyPr rtlCol="0" anchor="ctr"/>
+          <a:lstStyle/>
+          <a:p>
+            <a:pPr algn="ctr"/>
+            <a:r>
+              <a:rPr lang="en-US" altLang="ko-KR" dirty="0">
+                <a:solidFill>
+                  <a:schemeClr val="tx1"/>
+                </a:solidFill>
+              </a:rPr>
+              <a:t>2</a:t>
+            </a:r>
+            <a:endParaRPr lang="ko-KR" altLang="en-US" dirty="0">
+              <a:solidFill>
+                <a:schemeClr val="tx1"/>
+              </a:solidFill>
+            </a:endParaRPr>
+          </a:p>
+        </p:txBody>
+      </p:sp>
+    </p:spTree>
+    <p:extLst>
+      <p:ext uri="{BB962C8B-B14F-4D97-AF65-F5344CB8AC3E}">
+        <p14:creationId xmlns:p14="http://schemas.microsoft.com/office/powerpoint/2010/main" val="1128143014"/>
+      </p:ext>
+    </p:extLst>
+  </p:cSld>
+  <p:clrMapOvr>
+    <a:masterClrMapping/>
+  </p:clrMapOvr>
+</p:sld>
+</file>
+
+<file path=ppt/slides/slide3.xml><?xml version="1.0" encoding="utf-8"?>
+<p:sld xmlns:a="http://schemas.openxmlformats.org/drawingml/2006/main" xmlns:r="http://schemas.openxmlformats.org/officeDocument/2006/relationships" xmlns:p="http://schemas.openxmlformats.org/presentationml/2006/main">
+  <p:cSld>
+    <p:spTree>
+      <p:nvGrpSpPr>
+        <p:cNvPr id="1" name="Shape 94"/>
+        <p:cNvGrpSpPr/>
+        <p:nvPr/>
+      </p:nvGrpSpPr>
+      <p:grpSpPr>
+        <a:xfrm>
+          <a:off x="0" y="0"/>
+          <a:ext cx="0" cy="0"/>
+          <a:chOff x="0" y="0"/>
+          <a:chExt cx="0" cy="0"/>
+        </a:xfrm>
+      </p:grpSpPr>
+      <p:pic>
+        <p:nvPicPr>
+          <p:cNvPr id="4" name="그림 3">
+            <a:extLst>
+              <a:ext uri="{FF2B5EF4-FFF2-40B4-BE49-F238E27FC236}">
+                <a16:creationId xmlns:a16="http://schemas.microsoft.com/office/drawing/2014/main" id="{4E36C9AD-E841-4A65-A0FA-8A7A2022183C}"/>
+              </a:ext>
+            </a:extLst>
+          </p:cNvPr>
+          <p:cNvPicPr>
+            <a:picLocks noChangeAspect="1"/>
+          </p:cNvPicPr>
+          <p:nvPr/>
+        </p:nvPicPr>
+        <p:blipFill>
+          <a:blip r:embed="rId3"/>
+          <a:stretch>
+            <a:fillRect/>
+          </a:stretch>
+        </p:blipFill>
+        <p:spPr>
+          <a:xfrm>
+            <a:off x="459401" y="1308465"/>
+            <a:ext cx="8417146" cy="4749232"/>
+          </a:xfrm>
+          <a:prstGeom prst="rect">
+            <a:avLst/>
+          </a:prstGeom>
+        </p:spPr>
+      </p:pic>
       <p:sp>
         <p:nvSpPr>
           <p:cNvPr id="2" name="직사각형 1">
@@ -12750,8 +14397,8 @@
         </p:nvSpPr>
         <p:spPr>
           <a:xfrm>
-            <a:off x="1361376" y="1953358"/>
-            <a:ext cx="6611749" cy="3094861"/>
+            <a:off x="2654424" y="2385214"/>
+            <a:ext cx="4025654" cy="2272413"/>
           </a:xfrm>
           <a:prstGeom prst="rect">
             <a:avLst/>
@@ -12794,6 +14441,309 @@
       </p:sp>
       <p:sp>
         <p:nvSpPr>
+          <p:cNvPr id="35" name="직사각형 34">
+            <a:extLst>
+              <a:ext uri="{FF2B5EF4-FFF2-40B4-BE49-F238E27FC236}">
+                <a16:creationId xmlns:a16="http://schemas.microsoft.com/office/drawing/2014/main" id="{2032D0F8-1487-42CB-9110-0F619D35BCF3}"/>
+              </a:ext>
+            </a:extLst>
+          </p:cNvPr>
+          <p:cNvSpPr/>
+          <p:nvPr/>
+        </p:nvSpPr>
+        <p:spPr>
+          <a:xfrm>
+            <a:off x="2781113" y="3018076"/>
+            <a:ext cx="3713439" cy="1479754"/>
+          </a:xfrm>
+          <a:prstGeom prst="rect">
+            <a:avLst/>
+          </a:prstGeom>
+          <a:solidFill>
+            <a:srgbClr val="394B54">
+              <a:alpha val="60000"/>
+            </a:srgbClr>
+          </a:solidFill>
+          <a:ln>
+            <a:solidFill>
+              <a:schemeClr val="bg1"/>
+            </a:solidFill>
+          </a:ln>
+        </p:spPr>
+        <p:style>
+          <a:lnRef idx="2">
+            <a:schemeClr val="accent1">
+              <a:shade val="50000"/>
+            </a:schemeClr>
+          </a:lnRef>
+          <a:fillRef idx="1">
+            <a:schemeClr val="accent1"/>
+          </a:fillRef>
+          <a:effectRef idx="0">
+            <a:schemeClr val="accent1"/>
+          </a:effectRef>
+          <a:fontRef idx="minor">
+            <a:schemeClr val="lt1"/>
+          </a:fontRef>
+        </p:style>
+        <p:txBody>
+          <a:bodyPr rtlCol="0" anchor="ctr"/>
+          <a:lstStyle/>
+          <a:p>
+            <a:pPr algn="ctr"/>
+            <a:endParaRPr lang="ko-KR" altLang="en-US"/>
+          </a:p>
+        </p:txBody>
+      </p:sp>
+      <p:sp>
+        <p:nvSpPr>
+          <p:cNvPr id="95" name="Google Shape;95;p2"/>
+          <p:cNvSpPr txBox="1"/>
+          <p:nvPr/>
+        </p:nvSpPr>
+        <p:spPr>
+          <a:xfrm>
+            <a:off x="118878" y="257917"/>
+            <a:ext cx="3871230" cy="369291"/>
+          </a:xfrm>
+          <a:prstGeom prst="rect">
+            <a:avLst/>
+          </a:prstGeom>
+          <a:noFill/>
+          <a:ln>
+            <a:noFill/>
+          </a:ln>
+        </p:spPr>
+        <p:txBody>
+          <a:bodyPr spcFirstLastPara="1" wrap="square" lIns="91425" tIns="45700" rIns="91425" bIns="45700" anchor="t" anchorCtr="0">
+            <a:spAutoFit/>
+          </a:bodyPr>
+          <a:lstStyle/>
+          <a:p>
+            <a:pPr marL="0" marR="0" lvl="0" indent="0" algn="l" rtl="0">
+              <a:spcBef>
+                <a:spcPts val="0"/>
+              </a:spcBef>
+              <a:spcAft>
+                <a:spcPts val="0"/>
+              </a:spcAft>
+              <a:buNone/>
+            </a:pPr>
+            <a:r>
+              <a:rPr lang="ko-KR" altLang="en-US" sz="1800" b="0" i="0" u="none" strike="noStrike" cap="none">
+                <a:solidFill>
+                  <a:schemeClr val="dk1"/>
+                </a:solidFill>
+                <a:latin typeface="Malgun Gothic"/>
+                <a:ea typeface="Malgun Gothic"/>
+                <a:cs typeface="Malgun Gothic"/>
+                <a:sym typeface="Malgun Gothic"/>
+              </a:rPr>
+              <a:t>옵션 </a:t>
+            </a:r>
+            <a:r>
+              <a:rPr lang="ko-KR" sz="1800" b="0" i="0" u="none" strike="noStrike" cap="none">
+                <a:solidFill>
+                  <a:schemeClr val="dk1"/>
+                </a:solidFill>
+                <a:latin typeface="Malgun Gothic"/>
+                <a:ea typeface="Malgun Gothic"/>
+                <a:cs typeface="Malgun Gothic"/>
+                <a:sym typeface="Malgun Gothic"/>
+              </a:rPr>
+              <a:t>구성</a:t>
+            </a:r>
+            <a:r>
+              <a:rPr lang="ko-KR" altLang="en-US" sz="1800">
+                <a:solidFill>
+                  <a:schemeClr val="dk1"/>
+                </a:solidFill>
+                <a:latin typeface="Malgun Gothic"/>
+                <a:ea typeface="Malgun Gothic"/>
+                <a:cs typeface="Malgun Gothic"/>
+                <a:sym typeface="Malgun Gothic"/>
+              </a:rPr>
+              <a:t>에 대한 시스템 디자인</a:t>
+            </a:r>
+            <a:endParaRPr sz="1800" dirty="0">
+              <a:solidFill>
+                <a:schemeClr val="dk1"/>
+              </a:solidFill>
+              <a:latin typeface="Malgun Gothic"/>
+              <a:ea typeface="Malgun Gothic"/>
+              <a:cs typeface="Malgun Gothic"/>
+              <a:sym typeface="Malgun Gothic"/>
+            </a:endParaRPr>
+          </a:p>
+        </p:txBody>
+      </p:sp>
+      <p:sp>
+        <p:nvSpPr>
+          <p:cNvPr id="96" name="Google Shape;96;p2"/>
+          <p:cNvSpPr/>
+          <p:nvPr/>
+        </p:nvSpPr>
+        <p:spPr>
+          <a:xfrm>
+            <a:off x="125177" y="661432"/>
+            <a:ext cx="11640600" cy="5754900"/>
+          </a:xfrm>
+          <a:prstGeom prst="rect">
+            <a:avLst/>
+          </a:prstGeom>
+          <a:noFill/>
+          <a:ln w="12700" cap="flat" cmpd="sng">
+            <a:solidFill>
+              <a:schemeClr val="dk1"/>
+            </a:solidFill>
+            <a:prstDash val="solid"/>
+            <a:miter lim="800000"/>
+            <a:headEnd type="none" w="sm" len="sm"/>
+            <a:tailEnd type="none" w="sm" len="sm"/>
+          </a:ln>
+        </p:spPr>
+        <p:txBody>
+          <a:bodyPr spcFirstLastPara="1" wrap="square" lIns="91425" tIns="45700" rIns="91425" bIns="45700" anchor="ctr" anchorCtr="0">
+            <a:noAutofit/>
+          </a:bodyPr>
+          <a:lstStyle/>
+          <a:p>
+            <a:pPr marL="0" marR="0" lvl="0" indent="0" algn="ctr" rtl="0">
+              <a:spcBef>
+                <a:spcPts val="0"/>
+              </a:spcBef>
+              <a:spcAft>
+                <a:spcPts val="0"/>
+              </a:spcAft>
+              <a:buNone/>
+            </a:pPr>
+            <a:endParaRPr sz="1800">
+              <a:latin typeface="Malgun Gothic"/>
+              <a:ea typeface="Malgun Gothic"/>
+              <a:cs typeface="Malgun Gothic"/>
+              <a:sym typeface="Malgun Gothic"/>
+            </a:endParaRPr>
+          </a:p>
+        </p:txBody>
+      </p:sp>
+      <p:cxnSp>
+        <p:nvCxnSpPr>
+          <p:cNvPr id="97" name="Google Shape;97;p2"/>
+          <p:cNvCxnSpPr/>
+          <p:nvPr/>
+        </p:nvCxnSpPr>
+        <p:spPr>
+          <a:xfrm>
+            <a:off x="9245600" y="675105"/>
+            <a:ext cx="0" cy="5754755"/>
+          </a:xfrm>
+          <a:prstGeom prst="straightConnector1">
+            <a:avLst/>
+          </a:prstGeom>
+          <a:noFill/>
+          <a:ln w="9525" cap="flat" cmpd="sng">
+            <a:solidFill>
+              <a:schemeClr val="dk1"/>
+            </a:solidFill>
+            <a:prstDash val="solid"/>
+            <a:miter lim="800000"/>
+            <a:headEnd type="none" w="sm" len="sm"/>
+            <a:tailEnd type="none" w="sm" len="sm"/>
+          </a:ln>
+        </p:spPr>
+      </p:cxnSp>
+      <p:sp>
+        <p:nvSpPr>
+          <p:cNvPr id="101" name="Google Shape;101;p2"/>
+          <p:cNvSpPr txBox="1"/>
+          <p:nvPr/>
+        </p:nvSpPr>
+        <p:spPr>
+          <a:xfrm>
+            <a:off x="342280" y="800303"/>
+            <a:ext cx="8903320" cy="369291"/>
+          </a:xfrm>
+          <a:prstGeom prst="rect">
+            <a:avLst/>
+          </a:prstGeom>
+          <a:noFill/>
+          <a:ln>
+            <a:noFill/>
+          </a:ln>
+        </p:spPr>
+        <p:txBody>
+          <a:bodyPr spcFirstLastPara="1" wrap="square" lIns="91425" tIns="45700" rIns="91425" bIns="45700" anchor="t" anchorCtr="0">
+            <a:spAutoFit/>
+          </a:bodyPr>
+          <a:lstStyle/>
+          <a:p>
+            <a:pPr marL="171450" marR="0" lvl="0" indent="-171450" algn="l" rtl="0">
+              <a:lnSpc>
+                <a:spcPct val="150000"/>
+              </a:lnSpc>
+              <a:spcBef>
+                <a:spcPts val="0"/>
+              </a:spcBef>
+              <a:spcAft>
+                <a:spcPts val="0"/>
+              </a:spcAft>
+              <a:buClr>
+                <a:schemeClr val="dk1"/>
+              </a:buClr>
+              <a:buSzPts val="1200"/>
+              <a:buFont typeface="Arial"/>
+              <a:buChar char="•"/>
+            </a:pPr>
+            <a:r>
+              <a:rPr lang="ko-KR" altLang="en-US" sz="1200" dirty="0" err="1">
+                <a:solidFill>
+                  <a:schemeClr val="dk1"/>
+                </a:solidFill>
+                <a:latin typeface="Malgun Gothic"/>
+                <a:ea typeface="Malgun Gothic"/>
+                <a:cs typeface="Malgun Gothic"/>
+                <a:sym typeface="Malgun Gothic"/>
+              </a:rPr>
+              <a:t>예람씨가</a:t>
+            </a:r>
+            <a:r>
+              <a:rPr lang="ko-KR" altLang="en-US" sz="1200" dirty="0">
+                <a:solidFill>
+                  <a:schemeClr val="dk1"/>
+                </a:solidFill>
+                <a:latin typeface="Malgun Gothic"/>
+                <a:ea typeface="Malgun Gothic"/>
+                <a:cs typeface="Malgun Gothic"/>
+                <a:sym typeface="Malgun Gothic"/>
+              </a:rPr>
+              <a:t> 구성해둔 백그라운드를 그대로 사용한다</a:t>
+            </a:r>
+            <a:r>
+              <a:rPr lang="en-US" altLang="ko-KR" sz="1200" dirty="0">
+                <a:solidFill>
+                  <a:schemeClr val="dk1"/>
+                </a:solidFill>
+                <a:latin typeface="Malgun Gothic"/>
+                <a:ea typeface="Malgun Gothic"/>
+                <a:cs typeface="Malgun Gothic"/>
+                <a:sym typeface="Malgun Gothic"/>
+              </a:rPr>
+              <a:t>.</a:t>
+            </a:r>
+            <a:endParaRPr lang="ko-KR" altLang="en-US" sz="1200" dirty="0">
+              <a:solidFill>
+                <a:schemeClr val="dk1"/>
+              </a:solidFill>
+              <a:latin typeface="Malgun Gothic"/>
+              <a:ea typeface="Malgun Gothic"/>
+              <a:cs typeface="Malgun Gothic"/>
+              <a:sym typeface="Malgun Gothic"/>
+            </a:endParaRPr>
+          </a:p>
+        </p:txBody>
+      </p:sp>
+      <p:sp>
+        <p:nvSpPr>
           <p:cNvPr id="11" name="직사각형 10">
             <a:extLst>
               <a:ext uri="{FF2B5EF4-FFF2-40B4-BE49-F238E27FC236}">
@@ -12806,8 +14756,8 @@
         </p:nvSpPr>
         <p:spPr>
           <a:xfrm>
-            <a:off x="3835482" y="2054322"/>
-            <a:ext cx="1664983" cy="454394"/>
+            <a:off x="4101484" y="2486178"/>
+            <a:ext cx="1132980" cy="454394"/>
           </a:xfrm>
           <a:prstGeom prst="rect">
             <a:avLst/>
@@ -12849,194 +14799,6 @@
       </p:sp>
       <p:sp>
         <p:nvSpPr>
-          <p:cNvPr id="12" name="직사각형 11">
-            <a:extLst>
-              <a:ext uri="{FF2B5EF4-FFF2-40B4-BE49-F238E27FC236}">
-                <a16:creationId xmlns:a16="http://schemas.microsoft.com/office/drawing/2014/main" id="{10866812-4587-4E5C-A5F1-652F3847F2CC}"/>
-              </a:ext>
-            </a:extLst>
-          </p:cNvPr>
-          <p:cNvSpPr/>
-          <p:nvPr/>
-        </p:nvSpPr>
-        <p:spPr>
-          <a:xfrm>
-            <a:off x="2019301" y="2781300"/>
-            <a:ext cx="5295900" cy="88900"/>
-          </a:xfrm>
-          <a:prstGeom prst="rect">
-            <a:avLst/>
-          </a:prstGeom>
-          <a:solidFill>
-            <a:schemeClr val="tx1"/>
-          </a:solidFill>
-          <a:ln>
-            <a:noFill/>
-          </a:ln>
-        </p:spPr>
-        <p:style>
-          <a:lnRef idx="2">
-            <a:schemeClr val="accent1">
-              <a:shade val="50000"/>
-            </a:schemeClr>
-          </a:lnRef>
-          <a:fillRef idx="1">
-            <a:schemeClr val="accent1"/>
-          </a:fillRef>
-          <a:effectRef idx="0">
-            <a:schemeClr val="accent1"/>
-          </a:effectRef>
-          <a:fontRef idx="minor">
-            <a:schemeClr val="lt1"/>
-          </a:fontRef>
-        </p:style>
-        <p:txBody>
-          <a:bodyPr rtlCol="0" anchor="ctr"/>
-          <a:lstStyle/>
-          <a:p>
-            <a:pPr algn="ctr"/>
-            <a:endParaRPr lang="ko-KR" altLang="en-US" dirty="0"/>
-          </a:p>
-        </p:txBody>
-      </p:sp>
-      <p:sp>
-        <p:nvSpPr>
-          <p:cNvPr id="7" name="TextBox 6">
-            <a:extLst>
-              <a:ext uri="{FF2B5EF4-FFF2-40B4-BE49-F238E27FC236}">
-                <a16:creationId xmlns:a16="http://schemas.microsoft.com/office/drawing/2014/main" id="{EF0AD018-10C4-4894-8FB9-9263130A6714}"/>
-              </a:ext>
-            </a:extLst>
-          </p:cNvPr>
-          <p:cNvSpPr txBox="1"/>
-          <p:nvPr/>
-        </p:nvSpPr>
-        <p:spPr>
-          <a:xfrm>
-            <a:off x="1877275" y="2888784"/>
-            <a:ext cx="284052" cy="307777"/>
-          </a:xfrm>
-          <a:prstGeom prst="rect">
-            <a:avLst/>
-          </a:prstGeom>
-          <a:noFill/>
-        </p:spPr>
-        <p:txBody>
-          <a:bodyPr wrap="none" rtlCol="0">
-            <a:spAutoFit/>
-          </a:bodyPr>
-          <a:lstStyle/>
-          <a:p>
-            <a:pPr algn="ctr"/>
-            <a:r>
-              <a:rPr lang="en-US" altLang="ko-KR" dirty="0">
-                <a:solidFill>
-                  <a:schemeClr val="bg1"/>
-                </a:solidFill>
-              </a:rPr>
-              <a:t>0</a:t>
-            </a:r>
-            <a:endParaRPr lang="ko-KR" altLang="en-US" dirty="0">
-              <a:solidFill>
-                <a:schemeClr val="bg1"/>
-              </a:solidFill>
-            </a:endParaRPr>
-          </a:p>
-        </p:txBody>
-      </p:sp>
-      <p:sp>
-        <p:nvSpPr>
-          <p:cNvPr id="14" name="TextBox 13">
-            <a:extLst>
-              <a:ext uri="{FF2B5EF4-FFF2-40B4-BE49-F238E27FC236}">
-                <a16:creationId xmlns:a16="http://schemas.microsoft.com/office/drawing/2014/main" id="{9881616C-5C77-4581-AD45-CAE26408CD5E}"/>
-              </a:ext>
-            </a:extLst>
-          </p:cNvPr>
-          <p:cNvSpPr txBox="1"/>
-          <p:nvPr/>
-        </p:nvSpPr>
-        <p:spPr>
-          <a:xfrm>
-            <a:off x="7123482" y="2888784"/>
-            <a:ext cx="383438" cy="307777"/>
-          </a:xfrm>
-          <a:prstGeom prst="rect">
-            <a:avLst/>
-          </a:prstGeom>
-          <a:noFill/>
-        </p:spPr>
-        <p:txBody>
-          <a:bodyPr wrap="none" rtlCol="0">
-            <a:spAutoFit/>
-          </a:bodyPr>
-          <a:lstStyle/>
-          <a:p>
-            <a:pPr algn="ctr"/>
-            <a:r>
-              <a:rPr lang="en-US" altLang="ko-KR" dirty="0">
-                <a:solidFill>
-                  <a:schemeClr val="bg1"/>
-                </a:solidFill>
-              </a:rPr>
-              <a:t>10</a:t>
-            </a:r>
-            <a:endParaRPr lang="ko-KR" altLang="en-US" dirty="0">
-              <a:solidFill>
-                <a:schemeClr val="bg1"/>
-              </a:solidFill>
-            </a:endParaRPr>
-          </a:p>
-        </p:txBody>
-      </p:sp>
-      <p:sp>
-        <p:nvSpPr>
-          <p:cNvPr id="8" name="직사각형 7">
-            <a:extLst>
-              <a:ext uri="{FF2B5EF4-FFF2-40B4-BE49-F238E27FC236}">
-                <a16:creationId xmlns:a16="http://schemas.microsoft.com/office/drawing/2014/main" id="{B0FB7BD3-4B3B-4575-8B77-B310BC11C577}"/>
-              </a:ext>
-            </a:extLst>
-          </p:cNvPr>
-          <p:cNvSpPr/>
-          <p:nvPr/>
-        </p:nvSpPr>
-        <p:spPr>
-          <a:xfrm>
-            <a:off x="1954214" y="2632272"/>
-            <a:ext cx="130174" cy="307777"/>
-          </a:xfrm>
-          <a:prstGeom prst="rect">
-            <a:avLst/>
-          </a:prstGeom>
-        </p:spPr>
-        <p:style>
-          <a:lnRef idx="2">
-            <a:schemeClr val="accent1">
-              <a:shade val="50000"/>
-            </a:schemeClr>
-          </a:lnRef>
-          <a:fillRef idx="1">
-            <a:schemeClr val="accent1"/>
-          </a:fillRef>
-          <a:effectRef idx="0">
-            <a:schemeClr val="accent1"/>
-          </a:effectRef>
-          <a:fontRef idx="minor">
-            <a:schemeClr val="lt1"/>
-          </a:fontRef>
-        </p:style>
-        <p:txBody>
-          <a:bodyPr rtlCol="0" anchor="ctr"/>
-          <a:lstStyle/>
-          <a:p>
-            <a:pPr algn="ctr"/>
-            <a:endParaRPr lang="ko-KR" altLang="en-US"/>
-          </a:p>
-        </p:txBody>
-      </p:sp>
-      <p:sp>
-        <p:nvSpPr>
           <p:cNvPr id="16" name="직사각형 15">
             <a:extLst>
               <a:ext uri="{FF2B5EF4-FFF2-40B4-BE49-F238E27FC236}">
@@ -13049,8 +14811,8 @@
         </p:nvSpPr>
         <p:spPr>
           <a:xfrm>
-            <a:off x="3835482" y="3215436"/>
-            <a:ext cx="1664983" cy="454394"/>
+            <a:off x="2857128" y="2482249"/>
+            <a:ext cx="1132980" cy="454394"/>
           </a:xfrm>
           <a:prstGeom prst="rect">
             <a:avLst/>
@@ -13087,480 +14849,6 @@
               <a:rPr lang="ko-KR" altLang="en-US" dirty="0"/>
               <a:t>단축키</a:t>
             </a:r>
-          </a:p>
-        </p:txBody>
-      </p:sp>
-      <p:sp>
-        <p:nvSpPr>
-          <p:cNvPr id="17" name="TextBox 16">
-            <a:extLst>
-              <a:ext uri="{FF2B5EF4-FFF2-40B4-BE49-F238E27FC236}">
-                <a16:creationId xmlns:a16="http://schemas.microsoft.com/office/drawing/2014/main" id="{CB6CDBB8-07C8-4498-B6FC-0886B9283758}"/>
-              </a:ext>
-            </a:extLst>
-          </p:cNvPr>
-          <p:cNvSpPr txBox="1"/>
-          <p:nvPr/>
-        </p:nvSpPr>
-        <p:spPr>
-          <a:xfrm>
-            <a:off x="1812188" y="3751939"/>
-            <a:ext cx="1024639" cy="246221"/>
-          </a:xfrm>
-          <a:prstGeom prst="rect">
-            <a:avLst/>
-          </a:prstGeom>
-          <a:noFill/>
-        </p:spPr>
-        <p:txBody>
-          <a:bodyPr wrap="none" rtlCol="0">
-            <a:spAutoFit/>
-          </a:bodyPr>
-          <a:lstStyle/>
-          <a:p>
-            <a:r>
-              <a:rPr lang="ko-KR" altLang="en-US" sz="1000" dirty="0">
-                <a:solidFill>
-                  <a:schemeClr val="bg1"/>
-                </a:solidFill>
-              </a:rPr>
-              <a:t>시계 방향 회전</a:t>
-            </a:r>
-          </a:p>
-        </p:txBody>
-      </p:sp>
-      <p:sp>
-        <p:nvSpPr>
-          <p:cNvPr id="18" name="TextBox 17">
-            <a:extLst>
-              <a:ext uri="{FF2B5EF4-FFF2-40B4-BE49-F238E27FC236}">
-                <a16:creationId xmlns:a16="http://schemas.microsoft.com/office/drawing/2014/main" id="{54A6E263-296B-4F22-ACDB-76BBA9BBCEB3}"/>
-              </a:ext>
-            </a:extLst>
-          </p:cNvPr>
-          <p:cNvSpPr txBox="1"/>
-          <p:nvPr/>
-        </p:nvSpPr>
-        <p:spPr>
-          <a:xfrm>
-            <a:off x="1812188" y="3998160"/>
-            <a:ext cx="1152880" cy="246221"/>
-          </a:xfrm>
-          <a:prstGeom prst="rect">
-            <a:avLst/>
-          </a:prstGeom>
-          <a:noFill/>
-        </p:spPr>
-        <p:txBody>
-          <a:bodyPr wrap="none" rtlCol="0">
-            <a:spAutoFit/>
-          </a:bodyPr>
-          <a:lstStyle/>
-          <a:p>
-            <a:r>
-              <a:rPr lang="ko-KR" altLang="en-US" sz="1000" dirty="0">
-                <a:solidFill>
-                  <a:schemeClr val="bg1"/>
-                </a:solidFill>
-              </a:rPr>
-              <a:t>반시계 방향 회전</a:t>
-            </a:r>
-          </a:p>
-        </p:txBody>
-      </p:sp>
-      <p:sp>
-        <p:nvSpPr>
-          <p:cNvPr id="19" name="TextBox 18">
-            <a:extLst>
-              <a:ext uri="{FF2B5EF4-FFF2-40B4-BE49-F238E27FC236}">
-                <a16:creationId xmlns:a16="http://schemas.microsoft.com/office/drawing/2014/main" id="{9EBDB3E6-AB5B-4DD7-8ECA-38C0F0B0079D}"/>
-              </a:ext>
-            </a:extLst>
-          </p:cNvPr>
-          <p:cNvSpPr txBox="1"/>
-          <p:nvPr/>
-        </p:nvSpPr>
-        <p:spPr>
-          <a:xfrm>
-            <a:off x="1812188" y="4256677"/>
-            <a:ext cx="1223412" cy="246221"/>
-          </a:xfrm>
-          <a:prstGeom prst="rect">
-            <a:avLst/>
-          </a:prstGeom>
-          <a:noFill/>
-        </p:spPr>
-        <p:txBody>
-          <a:bodyPr wrap="none" rtlCol="0">
-            <a:spAutoFit/>
-          </a:bodyPr>
-          <a:lstStyle/>
-          <a:p>
-            <a:r>
-              <a:rPr lang="ko-KR" altLang="en-US" sz="1000" dirty="0">
-                <a:solidFill>
-                  <a:schemeClr val="bg1"/>
-                </a:solidFill>
-              </a:rPr>
-              <a:t>되어있는 단축키 </a:t>
-            </a:r>
-            <a:r>
-              <a:rPr lang="en-US" altLang="ko-KR" sz="1000" dirty="0">
-                <a:solidFill>
-                  <a:schemeClr val="bg1"/>
-                </a:solidFill>
-              </a:rPr>
-              <a:t>1</a:t>
-            </a:r>
-            <a:endParaRPr lang="ko-KR" altLang="en-US" sz="1000" dirty="0">
-              <a:solidFill>
-                <a:schemeClr val="bg1"/>
-              </a:solidFill>
-            </a:endParaRPr>
-          </a:p>
-        </p:txBody>
-      </p:sp>
-      <p:sp>
-        <p:nvSpPr>
-          <p:cNvPr id="20" name="TextBox 19">
-            <a:extLst>
-              <a:ext uri="{FF2B5EF4-FFF2-40B4-BE49-F238E27FC236}">
-                <a16:creationId xmlns:a16="http://schemas.microsoft.com/office/drawing/2014/main" id="{F2F81410-002A-4EF4-B924-A6579A5532E2}"/>
-              </a:ext>
-            </a:extLst>
-          </p:cNvPr>
-          <p:cNvSpPr txBox="1"/>
-          <p:nvPr/>
-        </p:nvSpPr>
-        <p:spPr>
-          <a:xfrm>
-            <a:off x="1812188" y="4521847"/>
-            <a:ext cx="1223412" cy="246221"/>
-          </a:xfrm>
-          <a:prstGeom prst="rect">
-            <a:avLst/>
-          </a:prstGeom>
-          <a:noFill/>
-        </p:spPr>
-        <p:txBody>
-          <a:bodyPr wrap="none" rtlCol="0">
-            <a:spAutoFit/>
-          </a:bodyPr>
-          <a:lstStyle/>
-          <a:p>
-            <a:r>
-              <a:rPr lang="ko-KR" altLang="en-US" sz="1000" dirty="0">
-                <a:solidFill>
-                  <a:schemeClr val="bg1"/>
-                </a:solidFill>
-              </a:rPr>
-              <a:t>되어있는 단축키 </a:t>
-            </a:r>
-            <a:r>
-              <a:rPr lang="en-US" altLang="ko-KR" sz="1000" dirty="0">
-                <a:solidFill>
-                  <a:schemeClr val="bg1"/>
-                </a:solidFill>
-              </a:rPr>
-              <a:t>2</a:t>
-            </a:r>
-            <a:endParaRPr lang="ko-KR" altLang="en-US" sz="1000" dirty="0">
-              <a:solidFill>
-                <a:schemeClr val="bg1"/>
-              </a:solidFill>
-            </a:endParaRPr>
-          </a:p>
-        </p:txBody>
-      </p:sp>
-      <p:sp>
-        <p:nvSpPr>
-          <p:cNvPr id="21" name="TextBox 20">
-            <a:extLst>
-              <a:ext uri="{FF2B5EF4-FFF2-40B4-BE49-F238E27FC236}">
-                <a16:creationId xmlns:a16="http://schemas.microsoft.com/office/drawing/2014/main" id="{79B7C036-C97A-47CD-A670-87AD13589CA7}"/>
-              </a:ext>
-            </a:extLst>
-          </p:cNvPr>
-          <p:cNvSpPr txBox="1"/>
-          <p:nvPr/>
-        </p:nvSpPr>
-        <p:spPr>
-          <a:xfrm>
-            <a:off x="7224802" y="3751939"/>
-            <a:ext cx="269625" cy="246221"/>
-          </a:xfrm>
-          <a:prstGeom prst="rect">
-            <a:avLst/>
-          </a:prstGeom>
-          <a:noFill/>
-        </p:spPr>
-        <p:txBody>
-          <a:bodyPr wrap="none" rtlCol="0">
-            <a:spAutoFit/>
-          </a:bodyPr>
-          <a:lstStyle/>
-          <a:p>
-            <a:pPr algn="r"/>
-            <a:r>
-              <a:rPr lang="en-US" altLang="ko-KR" sz="1000" dirty="0">
-                <a:solidFill>
-                  <a:schemeClr val="bg1"/>
-                </a:solidFill>
-              </a:rPr>
-              <a:t>E</a:t>
-            </a:r>
-            <a:endParaRPr lang="ko-KR" altLang="en-US" sz="1000" dirty="0">
-              <a:solidFill>
-                <a:schemeClr val="bg1"/>
-              </a:solidFill>
-            </a:endParaRPr>
-          </a:p>
-        </p:txBody>
-      </p:sp>
-      <p:sp>
-        <p:nvSpPr>
-          <p:cNvPr id="22" name="TextBox 21">
-            <a:extLst>
-              <a:ext uri="{FF2B5EF4-FFF2-40B4-BE49-F238E27FC236}">
-                <a16:creationId xmlns:a16="http://schemas.microsoft.com/office/drawing/2014/main" id="{C44ECDEE-FBE0-4501-B1B6-F0A5AD565913}"/>
-              </a:ext>
-            </a:extLst>
-          </p:cNvPr>
-          <p:cNvSpPr txBox="1"/>
-          <p:nvPr/>
-        </p:nvSpPr>
-        <p:spPr>
-          <a:xfrm>
-            <a:off x="7210374" y="3998160"/>
-            <a:ext cx="284053" cy="246221"/>
-          </a:xfrm>
-          <a:prstGeom prst="rect">
-            <a:avLst/>
-          </a:prstGeom>
-          <a:noFill/>
-        </p:spPr>
-        <p:txBody>
-          <a:bodyPr wrap="none" rtlCol="0">
-            <a:spAutoFit/>
-          </a:bodyPr>
-          <a:lstStyle/>
-          <a:p>
-            <a:pPr algn="r"/>
-            <a:r>
-              <a:rPr lang="en-US" altLang="ko-KR" sz="1000" dirty="0">
-                <a:solidFill>
-                  <a:schemeClr val="bg1"/>
-                </a:solidFill>
-              </a:rPr>
-              <a:t>Q</a:t>
-            </a:r>
-            <a:endParaRPr lang="ko-KR" altLang="en-US" sz="1000" dirty="0">
-              <a:solidFill>
-                <a:schemeClr val="bg1"/>
-              </a:solidFill>
-            </a:endParaRPr>
-          </a:p>
-        </p:txBody>
-      </p:sp>
-      <p:sp>
-        <p:nvSpPr>
-          <p:cNvPr id="23" name="TextBox 22">
-            <a:extLst>
-              <a:ext uri="{FF2B5EF4-FFF2-40B4-BE49-F238E27FC236}">
-                <a16:creationId xmlns:a16="http://schemas.microsoft.com/office/drawing/2014/main" id="{CF4D551D-26C2-4EE2-BFCA-D20D9A607A2B}"/>
-              </a:ext>
-            </a:extLst>
-          </p:cNvPr>
-          <p:cNvSpPr txBox="1"/>
-          <p:nvPr/>
-        </p:nvSpPr>
-        <p:spPr>
-          <a:xfrm>
-            <a:off x="7231213" y="4256677"/>
-            <a:ext cx="263214" cy="246221"/>
-          </a:xfrm>
-          <a:prstGeom prst="rect">
-            <a:avLst/>
-          </a:prstGeom>
-          <a:noFill/>
-        </p:spPr>
-        <p:txBody>
-          <a:bodyPr wrap="none" rtlCol="0">
-            <a:spAutoFit/>
-          </a:bodyPr>
-          <a:lstStyle/>
-          <a:p>
-            <a:pPr algn="r"/>
-            <a:r>
-              <a:rPr lang="en-US" altLang="ko-KR" sz="1000" dirty="0">
-                <a:solidFill>
-                  <a:schemeClr val="bg1"/>
-                </a:solidFill>
-              </a:rPr>
-              <a:t>Z</a:t>
-            </a:r>
-            <a:endParaRPr lang="ko-KR" altLang="en-US" sz="1000" dirty="0">
-              <a:solidFill>
-                <a:schemeClr val="bg1"/>
-              </a:solidFill>
-            </a:endParaRPr>
-          </a:p>
-        </p:txBody>
-      </p:sp>
-      <p:sp>
-        <p:nvSpPr>
-          <p:cNvPr id="24" name="TextBox 23">
-            <a:extLst>
-              <a:ext uri="{FF2B5EF4-FFF2-40B4-BE49-F238E27FC236}">
-                <a16:creationId xmlns:a16="http://schemas.microsoft.com/office/drawing/2014/main" id="{252F259A-AD2F-4D5D-9545-4220CC404FF5}"/>
-              </a:ext>
-            </a:extLst>
-          </p:cNvPr>
-          <p:cNvSpPr txBox="1"/>
-          <p:nvPr/>
-        </p:nvSpPr>
-        <p:spPr>
-          <a:xfrm>
-            <a:off x="7224801" y="4521847"/>
-            <a:ext cx="269626" cy="246221"/>
-          </a:xfrm>
-          <a:prstGeom prst="rect">
-            <a:avLst/>
-          </a:prstGeom>
-          <a:noFill/>
-        </p:spPr>
-        <p:txBody>
-          <a:bodyPr wrap="none" rtlCol="0">
-            <a:spAutoFit/>
-          </a:bodyPr>
-          <a:lstStyle/>
-          <a:p>
-            <a:pPr algn="r"/>
-            <a:r>
-              <a:rPr lang="en-US" altLang="ko-KR" sz="1000" dirty="0">
-                <a:solidFill>
-                  <a:schemeClr val="bg1"/>
-                </a:solidFill>
-              </a:rPr>
-              <a:t>V</a:t>
-            </a:r>
-            <a:endParaRPr lang="ko-KR" altLang="en-US" sz="1000" dirty="0">
-              <a:solidFill>
-                <a:schemeClr val="bg1"/>
-              </a:solidFill>
-            </a:endParaRPr>
-          </a:p>
-        </p:txBody>
-      </p:sp>
-      <p:sp>
-        <p:nvSpPr>
-          <p:cNvPr id="9" name="직사각형 8">
-            <a:extLst>
-              <a:ext uri="{FF2B5EF4-FFF2-40B4-BE49-F238E27FC236}">
-                <a16:creationId xmlns:a16="http://schemas.microsoft.com/office/drawing/2014/main" id="{7181C268-97FB-495E-97BD-B33F714CD550}"/>
-              </a:ext>
-            </a:extLst>
-          </p:cNvPr>
-          <p:cNvSpPr/>
-          <p:nvPr/>
-        </p:nvSpPr>
-        <p:spPr>
-          <a:xfrm>
-            <a:off x="1812188" y="2013726"/>
-            <a:ext cx="5682239" cy="1156900"/>
-          </a:xfrm>
-          <a:prstGeom prst="rect">
-            <a:avLst/>
-          </a:prstGeom>
-          <a:solidFill>
-            <a:schemeClr val="bg1">
-              <a:alpha val="0"/>
-            </a:schemeClr>
-          </a:solidFill>
-          <a:ln>
-            <a:solidFill>
-              <a:srgbClr val="FF0000"/>
-            </a:solidFill>
-          </a:ln>
-        </p:spPr>
-        <p:style>
-          <a:lnRef idx="2">
-            <a:schemeClr val="accent1">
-              <a:shade val="50000"/>
-            </a:schemeClr>
-          </a:lnRef>
-          <a:fillRef idx="1">
-            <a:schemeClr val="accent1"/>
-          </a:fillRef>
-          <a:effectRef idx="0">
-            <a:schemeClr val="accent1"/>
-          </a:effectRef>
-          <a:fontRef idx="minor">
-            <a:schemeClr val="lt1"/>
-          </a:fontRef>
-        </p:style>
-        <p:txBody>
-          <a:bodyPr rtlCol="0" anchor="ctr"/>
-          <a:lstStyle/>
-          <a:p>
-            <a:pPr algn="ctr"/>
-            <a:endParaRPr lang="ko-KR" altLang="en-US"/>
-          </a:p>
-        </p:txBody>
-      </p:sp>
-      <p:sp>
-        <p:nvSpPr>
-          <p:cNvPr id="26" name="직사각형 25">
-            <a:extLst>
-              <a:ext uri="{FF2B5EF4-FFF2-40B4-BE49-F238E27FC236}">
-                <a16:creationId xmlns:a16="http://schemas.microsoft.com/office/drawing/2014/main" id="{F4EE9E0D-86D3-40FA-935F-E59E444F7FA2}"/>
-              </a:ext>
-            </a:extLst>
-          </p:cNvPr>
-          <p:cNvSpPr/>
-          <p:nvPr/>
-        </p:nvSpPr>
-        <p:spPr>
-          <a:xfrm>
-            <a:off x="1812188" y="3180641"/>
-            <a:ext cx="5682239" cy="1677685"/>
-          </a:xfrm>
-          <a:prstGeom prst="rect">
-            <a:avLst/>
-          </a:prstGeom>
-          <a:solidFill>
-            <a:schemeClr val="bg1">
-              <a:alpha val="0"/>
-            </a:schemeClr>
-          </a:solidFill>
-          <a:ln>
-            <a:solidFill>
-              <a:srgbClr val="FF0000"/>
-            </a:solidFill>
-          </a:ln>
-        </p:spPr>
-        <p:style>
-          <a:lnRef idx="2">
-            <a:schemeClr val="accent1">
-              <a:shade val="50000"/>
-            </a:schemeClr>
-          </a:lnRef>
-          <a:fillRef idx="1">
-            <a:schemeClr val="accent1"/>
-          </a:fillRef>
-          <a:effectRef idx="0">
-            <a:schemeClr val="accent1"/>
-          </a:effectRef>
-          <a:fontRef idx="minor">
-            <a:schemeClr val="lt1"/>
-          </a:fontRef>
-        </p:style>
-        <p:txBody>
-          <a:bodyPr rtlCol="0" anchor="ctr"/>
-          <a:lstStyle/>
-          <a:p>
-            <a:pPr algn="ctr"/>
-            <a:endParaRPr lang="ko-KR" altLang="en-US"/>
           </a:p>
         </p:txBody>
       </p:sp>
@@ -13688,7 +14976,7 @@
                 <a:cs typeface="Malgun Gothic"/>
                 <a:sym typeface="Malgun Gothic"/>
               </a:rPr>
-              <a:t>음향 조정 칸</a:t>
+              <a:t>버튼 형식</a:t>
             </a:r>
             <a:r>
               <a:rPr lang="en-US" altLang="ko-KR" sz="1200" dirty="0">
@@ -13712,7 +15000,7 @@
                 <a:cs typeface="Malgun Gothic"/>
                 <a:sym typeface="Malgun Gothic"/>
               </a:rPr>
-              <a:t>전체 음향 조절에 대한 내용이 있고 음향을 </a:t>
+              <a:t>으로 단축키</a:t>
             </a:r>
             <a:r>
               <a:rPr lang="en-US" altLang="ko-KR" sz="1200" dirty="0">
@@ -13724,7 +15012,7 @@
                 <a:cs typeface="Malgun Gothic"/>
                 <a:sym typeface="Malgun Gothic"/>
               </a:rPr>
-              <a:t>0</a:t>
+              <a:t>, </a:t>
             </a:r>
             <a:r>
               <a:rPr lang="ko-KR" altLang="en-US" sz="1200" dirty="0">
@@ -13736,7 +15024,7 @@
                 <a:cs typeface="Malgun Gothic"/>
                 <a:sym typeface="Malgun Gothic"/>
               </a:rPr>
-              <a:t>에서 </a:t>
+              <a:t>음향 조절</a:t>
             </a:r>
             <a:r>
               <a:rPr lang="en-US" altLang="ko-KR" sz="1200" dirty="0">
@@ -13748,7 +15036,7 @@
                 <a:cs typeface="Malgun Gothic"/>
                 <a:sym typeface="Malgun Gothic"/>
               </a:rPr>
-              <a:t>10</a:t>
+              <a:t>, </a:t>
             </a:r>
             <a:r>
               <a:rPr lang="ko-KR" altLang="en-US" sz="1200" dirty="0">
@@ -13760,7 +15048,31 @@
                 <a:cs typeface="Malgun Gothic"/>
                 <a:sym typeface="Malgun Gothic"/>
               </a:rPr>
-              <a:t>까지 단계로 수정 가능하게 구성한다</a:t>
+              <a:t>비디오의 버튼을 누르면 아래의 </a:t>
+            </a:r>
+            <a:r>
+              <a:rPr lang="en-US" altLang="ko-KR" sz="1200" dirty="0">
+                <a:solidFill>
+                  <a:schemeClr val="dk1"/>
+                </a:solidFill>
+                <a:latin typeface="Malgun Gothic"/>
+                <a:ea typeface="Malgun Gothic"/>
+                <a:cs typeface="Malgun Gothic"/>
+                <a:sym typeface="Malgun Gothic"/>
+              </a:rPr>
+              <a:t>2</a:t>
+            </a:r>
+            <a:r>
+              <a:rPr lang="ko-KR" altLang="en-US" sz="1200" dirty="0">
+                <a:solidFill>
+                  <a:schemeClr val="dk1"/>
+                </a:solidFill>
+                <a:latin typeface="Malgun Gothic"/>
+                <a:ea typeface="Malgun Gothic"/>
+                <a:cs typeface="Malgun Gothic"/>
+                <a:sym typeface="Malgun Gothic"/>
+              </a:rPr>
+              <a:t>번이 변경 되는 방식으로 사용한다</a:t>
             </a:r>
             <a:r>
               <a:rPr lang="en-US" altLang="ko-KR" sz="1200" dirty="0">
@@ -13782,138 +15094,6 @@
               <a:ea typeface="Malgun Gothic"/>
               <a:cs typeface="Malgun Gothic"/>
               <a:sym typeface="Malgun Gothic"/>
-            </a:endParaRPr>
-          </a:p>
-        </p:txBody>
-      </p:sp>
-      <p:sp>
-        <p:nvSpPr>
-          <p:cNvPr id="29" name="직사각형 28">
-            <a:extLst>
-              <a:ext uri="{FF2B5EF4-FFF2-40B4-BE49-F238E27FC236}">
-                <a16:creationId xmlns:a16="http://schemas.microsoft.com/office/drawing/2014/main" id="{FBF9D4D4-E579-477B-9AF8-B85F40049F13}"/>
-              </a:ext>
-            </a:extLst>
-          </p:cNvPr>
-          <p:cNvSpPr/>
-          <p:nvPr/>
-        </p:nvSpPr>
-        <p:spPr>
-          <a:xfrm>
-            <a:off x="1688859" y="1945197"/>
-            <a:ext cx="221672" cy="218249"/>
-          </a:xfrm>
-          <a:prstGeom prst="rect">
-            <a:avLst/>
-          </a:prstGeom>
-          <a:solidFill>
-            <a:schemeClr val="bg1"/>
-          </a:solidFill>
-          <a:ln>
-            <a:solidFill>
-              <a:srgbClr val="FF0000"/>
-            </a:solidFill>
-          </a:ln>
-        </p:spPr>
-        <p:style>
-          <a:lnRef idx="2">
-            <a:schemeClr val="accent1">
-              <a:shade val="50000"/>
-            </a:schemeClr>
-          </a:lnRef>
-          <a:fillRef idx="1">
-            <a:schemeClr val="accent1"/>
-          </a:fillRef>
-          <a:effectRef idx="0">
-            <a:schemeClr val="accent1"/>
-          </a:effectRef>
-          <a:fontRef idx="minor">
-            <a:schemeClr val="lt1"/>
-          </a:fontRef>
-        </p:style>
-        <p:txBody>
-          <a:bodyPr rtlCol="0" anchor="ctr"/>
-          <a:lstStyle/>
-          <a:p>
-            <a:pPr algn="ctr"/>
-            <a:r>
-              <a:rPr lang="en-US" altLang="ko-KR" dirty="0">
-                <a:solidFill>
-                  <a:schemeClr val="tx1"/>
-                </a:solidFill>
-              </a:rPr>
-              <a:t>1</a:t>
-            </a:r>
-            <a:endParaRPr lang="ko-KR" altLang="en-US" dirty="0">
-              <a:solidFill>
-                <a:schemeClr val="tx1"/>
-              </a:solidFill>
-            </a:endParaRPr>
-          </a:p>
-        </p:txBody>
-      </p:sp>
-      <p:sp>
-        <p:nvSpPr>
-          <p:cNvPr id="30" name="직사각형 29">
-            <a:extLst>
-              <a:ext uri="{FF2B5EF4-FFF2-40B4-BE49-F238E27FC236}">
-                <a16:creationId xmlns:a16="http://schemas.microsoft.com/office/drawing/2014/main" id="{49B26186-B973-4709-9270-EEFEE8CC7F60}"/>
-              </a:ext>
-            </a:extLst>
-          </p:cNvPr>
-          <p:cNvSpPr/>
-          <p:nvPr/>
-        </p:nvSpPr>
-        <p:spPr>
-          <a:xfrm>
-            <a:off x="1729894" y="3065501"/>
-            <a:ext cx="221672" cy="218249"/>
-          </a:xfrm>
-          <a:prstGeom prst="rect">
-            <a:avLst/>
-          </a:prstGeom>
-          <a:solidFill>
-            <a:schemeClr val="bg1"/>
-          </a:solidFill>
-          <a:ln>
-            <a:solidFill>
-              <a:srgbClr val="FF0000"/>
-            </a:solidFill>
-          </a:ln>
-        </p:spPr>
-        <p:style>
-          <a:lnRef idx="2">
-            <a:schemeClr val="accent1">
-              <a:shade val="50000"/>
-            </a:schemeClr>
-          </a:lnRef>
-          <a:fillRef idx="1">
-            <a:schemeClr val="accent1"/>
-          </a:fillRef>
-          <a:effectRef idx="0">
-            <a:schemeClr val="accent1"/>
-          </a:effectRef>
-          <a:fontRef idx="minor">
-            <a:schemeClr val="lt1"/>
-          </a:fontRef>
-        </p:style>
-        <p:txBody>
-          <a:bodyPr rtlCol="0" anchor="ctr"/>
-          <a:lstStyle/>
-          <a:p>
-            <a:pPr algn="ctr"/>
-            <a:r>
-              <a:rPr lang="en-US" altLang="ko-KR" dirty="0">
-                <a:solidFill>
-                  <a:schemeClr val="tx1"/>
-                </a:solidFill>
-              </a:rPr>
-              <a:t>2</a:t>
-            </a:r>
-            <a:endParaRPr lang="ko-KR" altLang="en-US" dirty="0">
-              <a:solidFill>
-                <a:schemeClr val="tx1"/>
-              </a:solidFill>
             </a:endParaRPr>
           </a:p>
         </p:txBody>
@@ -13999,7 +15179,7 @@
         <p:spPr>
           <a:xfrm>
             <a:off x="9614654" y="2265304"/>
-            <a:ext cx="2298504" cy="1477287"/>
+            <a:ext cx="2202914" cy="1754286"/>
           </a:xfrm>
           <a:prstGeom prst="rect">
             <a:avLst/>
@@ -14042,7 +15222,7 @@
                 <a:cs typeface="Malgun Gothic"/>
                 <a:sym typeface="Malgun Gothic"/>
               </a:rPr>
-              <a:t>단축키 칸</a:t>
+              <a:t>음향 버튼을 눌렀을 때 스크롤 가능한 바</a:t>
             </a:r>
             <a:endParaRPr lang="en-US" altLang="ko-KR" sz="1200" dirty="0">
               <a:solidFill>
@@ -14073,7 +15253,7 @@
               <a:buChar char="•"/>
             </a:pPr>
             <a:r>
-              <a:rPr lang="ko-KR" altLang="en-US" sz="1200" dirty="0">
+              <a:rPr lang="en-US" altLang="ko-KR" sz="1200" dirty="0">
                 <a:solidFill>
                   <a:schemeClr val="dk1"/>
                 </a:solidFill>
@@ -14082,7 +15262,91 @@
                 <a:cs typeface="Malgun Gothic"/>
                 <a:sym typeface="Malgun Gothic"/>
               </a:rPr>
-              <a:t>단축키를 직접 변경은 못하지만 어떠한 단축키가 어떠한 용도로 사용되는지 만 표시를 해준다</a:t>
+              <a:t>0</a:t>
+            </a:r>
+            <a:r>
+              <a:rPr lang="ko-KR" altLang="en-US" sz="1200" dirty="0">
+                <a:solidFill>
+                  <a:schemeClr val="dk1"/>
+                </a:solidFill>
+                <a:latin typeface="Malgun Gothic"/>
+                <a:ea typeface="Malgun Gothic"/>
+                <a:cs typeface="Malgun Gothic"/>
+                <a:sym typeface="Malgun Gothic"/>
+              </a:rPr>
+              <a:t>에서 </a:t>
+            </a:r>
+            <a:r>
+              <a:rPr lang="en-US" altLang="ko-KR" sz="1200" dirty="0">
+                <a:solidFill>
+                  <a:schemeClr val="dk1"/>
+                </a:solidFill>
+                <a:latin typeface="Malgun Gothic"/>
+                <a:ea typeface="Malgun Gothic"/>
+                <a:cs typeface="Malgun Gothic"/>
+                <a:sym typeface="Malgun Gothic"/>
+              </a:rPr>
+              <a:t>10</a:t>
+            </a:r>
+            <a:r>
+              <a:rPr lang="ko-KR" altLang="en-US" sz="1200" dirty="0">
+                <a:solidFill>
+                  <a:schemeClr val="dk1"/>
+                </a:solidFill>
+                <a:latin typeface="Malgun Gothic"/>
+                <a:ea typeface="Malgun Gothic"/>
+                <a:cs typeface="Malgun Gothic"/>
+                <a:sym typeface="Malgun Gothic"/>
+              </a:rPr>
+              <a:t>까지 스크롤 되고 스크롤에 따라 게임의 전체 음향이 </a:t>
+            </a:r>
+            <a:r>
+              <a:rPr lang="en-US" altLang="ko-KR" sz="1200" dirty="0">
+                <a:solidFill>
+                  <a:schemeClr val="dk1"/>
+                </a:solidFill>
+                <a:latin typeface="Malgun Gothic"/>
+                <a:ea typeface="Malgun Gothic"/>
+                <a:cs typeface="Malgun Gothic"/>
+                <a:sym typeface="Malgun Gothic"/>
+              </a:rPr>
+              <a:t>0, 10, 20%</a:t>
+            </a:r>
+            <a:r>
+              <a:rPr lang="ko-KR" altLang="en-US" sz="1200" dirty="0">
+                <a:solidFill>
+                  <a:schemeClr val="dk1"/>
+                </a:solidFill>
+                <a:latin typeface="Malgun Gothic"/>
+                <a:ea typeface="Malgun Gothic"/>
+                <a:cs typeface="Malgun Gothic"/>
+                <a:sym typeface="Malgun Gothic"/>
+              </a:rPr>
+              <a:t>에서 </a:t>
+            </a:r>
+            <a:r>
+              <a:rPr lang="en-US" altLang="ko-KR" sz="1200" dirty="0">
+                <a:solidFill>
+                  <a:schemeClr val="dk1"/>
+                </a:solidFill>
+                <a:latin typeface="Malgun Gothic"/>
+                <a:ea typeface="Malgun Gothic"/>
+                <a:cs typeface="Malgun Gothic"/>
+                <a:sym typeface="Malgun Gothic"/>
+              </a:rPr>
+              <a:t>100%</a:t>
+            </a:r>
+            <a:r>
+              <a:rPr lang="ko-KR" altLang="en-US" sz="1200" dirty="0">
+                <a:solidFill>
+                  <a:schemeClr val="dk1"/>
+                </a:solidFill>
+                <a:latin typeface="Malgun Gothic"/>
+                <a:ea typeface="Malgun Gothic"/>
+                <a:cs typeface="Malgun Gothic"/>
+                <a:sym typeface="Malgun Gothic"/>
+              </a:rPr>
+              <a:t>까지 증가한다</a:t>
             </a:r>
             <a:r>
               <a:rPr lang="en-US" altLang="ko-KR" sz="1200" dirty="0">
@@ -14099,7 +15363,1930 @@
           </a:p>
         </p:txBody>
       </p:sp>
+      <p:sp>
+        <p:nvSpPr>
+          <p:cNvPr id="33" name="직사각형 32">
+            <a:extLst>
+              <a:ext uri="{FF2B5EF4-FFF2-40B4-BE49-F238E27FC236}">
+                <a16:creationId xmlns:a16="http://schemas.microsoft.com/office/drawing/2014/main" id="{CF7B6287-BC03-4BA8-89E5-3BC6886DB645}"/>
+              </a:ext>
+            </a:extLst>
+          </p:cNvPr>
+          <p:cNvSpPr/>
+          <p:nvPr/>
+        </p:nvSpPr>
+        <p:spPr>
+          <a:xfrm>
+            <a:off x="5437168" y="2486178"/>
+            <a:ext cx="1132980" cy="454394"/>
+          </a:xfrm>
+          <a:prstGeom prst="rect">
+            <a:avLst/>
+          </a:prstGeom>
+          <a:solidFill>
+            <a:schemeClr val="tx1"/>
+          </a:solidFill>
+          <a:ln>
+            <a:noFill/>
+          </a:ln>
+        </p:spPr>
+        <p:style>
+          <a:lnRef idx="2">
+            <a:schemeClr val="accent1">
+              <a:shade val="50000"/>
+            </a:schemeClr>
+          </a:lnRef>
+          <a:fillRef idx="1">
+            <a:schemeClr val="accent1"/>
+          </a:fillRef>
+          <a:effectRef idx="0">
+            <a:schemeClr val="accent1"/>
+          </a:effectRef>
+          <a:fontRef idx="minor">
+            <a:schemeClr val="lt1"/>
+          </a:fontRef>
+        </p:style>
+        <p:txBody>
+          <a:bodyPr rtlCol="0" anchor="ctr"/>
+          <a:lstStyle/>
+          <a:p>
+            <a:pPr algn="ctr"/>
+            <a:r>
+              <a:rPr lang="ko-KR" altLang="en-US" dirty="0"/>
+              <a:t>비디오</a:t>
+            </a:r>
+          </a:p>
+        </p:txBody>
+      </p:sp>
+      <p:sp>
+        <p:nvSpPr>
+          <p:cNvPr id="36" name="직사각형 35">
+            <a:extLst>
+              <a:ext uri="{FF2B5EF4-FFF2-40B4-BE49-F238E27FC236}">
+                <a16:creationId xmlns:a16="http://schemas.microsoft.com/office/drawing/2014/main" id="{985ECD53-8FD2-4350-8B6E-237C715AD8CB}"/>
+              </a:ext>
+            </a:extLst>
+          </p:cNvPr>
+          <p:cNvSpPr/>
+          <p:nvPr/>
+        </p:nvSpPr>
+        <p:spPr>
+          <a:xfrm>
+            <a:off x="2574523" y="2299317"/>
+            <a:ext cx="4208017" cy="816746"/>
+          </a:xfrm>
+          <a:prstGeom prst="rect">
+            <a:avLst/>
+          </a:prstGeom>
+          <a:solidFill>
+            <a:schemeClr val="bg1">
+              <a:alpha val="0"/>
+            </a:schemeClr>
+          </a:solidFill>
+          <a:ln>
+            <a:solidFill>
+              <a:srgbClr val="FF0000"/>
+            </a:solidFill>
+          </a:ln>
+        </p:spPr>
+        <p:style>
+          <a:lnRef idx="2">
+            <a:schemeClr val="accent1">
+              <a:shade val="50000"/>
+            </a:schemeClr>
+          </a:lnRef>
+          <a:fillRef idx="1">
+            <a:schemeClr val="accent1"/>
+          </a:fillRef>
+          <a:effectRef idx="0">
+            <a:schemeClr val="accent1"/>
+          </a:effectRef>
+          <a:fontRef idx="minor">
+            <a:schemeClr val="lt1"/>
+          </a:fontRef>
+        </p:style>
+        <p:txBody>
+          <a:bodyPr rtlCol="0" anchor="ctr"/>
+          <a:lstStyle/>
+          <a:p>
+            <a:pPr algn="ctr"/>
+            <a:endParaRPr lang="ko-KR" altLang="en-US"/>
+          </a:p>
+        </p:txBody>
+      </p:sp>
+      <p:sp>
+        <p:nvSpPr>
+          <p:cNvPr id="37" name="직사각형 36">
+            <a:extLst>
+              <a:ext uri="{FF2B5EF4-FFF2-40B4-BE49-F238E27FC236}">
+                <a16:creationId xmlns:a16="http://schemas.microsoft.com/office/drawing/2014/main" id="{D5414534-C332-4ECD-8104-0F765366FFBF}"/>
+              </a:ext>
+            </a:extLst>
+          </p:cNvPr>
+          <p:cNvSpPr/>
+          <p:nvPr/>
+        </p:nvSpPr>
+        <p:spPr>
+          <a:xfrm>
+            <a:off x="2463687" y="2190192"/>
+            <a:ext cx="221672" cy="218249"/>
+          </a:xfrm>
+          <a:prstGeom prst="rect">
+            <a:avLst/>
+          </a:prstGeom>
+          <a:solidFill>
+            <a:schemeClr val="bg1"/>
+          </a:solidFill>
+          <a:ln>
+            <a:solidFill>
+              <a:srgbClr val="FF0000"/>
+            </a:solidFill>
+          </a:ln>
+        </p:spPr>
+        <p:style>
+          <a:lnRef idx="2">
+            <a:schemeClr val="accent1">
+              <a:shade val="50000"/>
+            </a:schemeClr>
+          </a:lnRef>
+          <a:fillRef idx="1">
+            <a:schemeClr val="accent1"/>
+          </a:fillRef>
+          <a:effectRef idx="0">
+            <a:schemeClr val="accent1"/>
+          </a:effectRef>
+          <a:fontRef idx="minor">
+            <a:schemeClr val="lt1"/>
+          </a:fontRef>
+        </p:style>
+        <p:txBody>
+          <a:bodyPr rtlCol="0" anchor="ctr"/>
+          <a:lstStyle/>
+          <a:p>
+            <a:pPr algn="ctr"/>
+            <a:r>
+              <a:rPr lang="en-US" altLang="ko-KR" dirty="0">
+                <a:solidFill>
+                  <a:schemeClr val="tx1"/>
+                </a:solidFill>
+              </a:rPr>
+              <a:t>1</a:t>
+            </a:r>
+            <a:endParaRPr lang="ko-KR" altLang="en-US" dirty="0">
+              <a:solidFill>
+                <a:schemeClr val="tx1"/>
+              </a:solidFill>
+            </a:endParaRPr>
+          </a:p>
+        </p:txBody>
+      </p:sp>
+      <p:sp>
+        <p:nvSpPr>
+          <p:cNvPr id="39" name="직사각형 38">
+            <a:extLst>
+              <a:ext uri="{FF2B5EF4-FFF2-40B4-BE49-F238E27FC236}">
+                <a16:creationId xmlns:a16="http://schemas.microsoft.com/office/drawing/2014/main" id="{BC2356C2-4263-4661-8BD3-722A5F227F5C}"/>
+              </a:ext>
+            </a:extLst>
+          </p:cNvPr>
+          <p:cNvSpPr/>
+          <p:nvPr/>
+        </p:nvSpPr>
+        <p:spPr>
+          <a:xfrm>
+            <a:off x="2709041" y="2939318"/>
+            <a:ext cx="3861108" cy="1623804"/>
+          </a:xfrm>
+          <a:prstGeom prst="rect">
+            <a:avLst/>
+          </a:prstGeom>
+          <a:solidFill>
+            <a:schemeClr val="bg1">
+              <a:alpha val="0"/>
+            </a:schemeClr>
+          </a:solidFill>
+          <a:ln>
+            <a:solidFill>
+              <a:srgbClr val="FF0000"/>
+            </a:solidFill>
+          </a:ln>
+        </p:spPr>
+        <p:style>
+          <a:lnRef idx="2">
+            <a:schemeClr val="accent1">
+              <a:shade val="50000"/>
+            </a:schemeClr>
+          </a:lnRef>
+          <a:fillRef idx="1">
+            <a:schemeClr val="accent1"/>
+          </a:fillRef>
+          <a:effectRef idx="0">
+            <a:schemeClr val="accent1"/>
+          </a:effectRef>
+          <a:fontRef idx="minor">
+            <a:schemeClr val="lt1"/>
+          </a:fontRef>
+        </p:style>
+        <p:txBody>
+          <a:bodyPr rtlCol="0" anchor="ctr"/>
+          <a:lstStyle/>
+          <a:p>
+            <a:pPr algn="ctr"/>
+            <a:endParaRPr lang="ko-KR" altLang="en-US"/>
+          </a:p>
+        </p:txBody>
+      </p:sp>
+      <p:sp>
+        <p:nvSpPr>
+          <p:cNvPr id="40" name="직사각형 39">
+            <a:extLst>
+              <a:ext uri="{FF2B5EF4-FFF2-40B4-BE49-F238E27FC236}">
+                <a16:creationId xmlns:a16="http://schemas.microsoft.com/office/drawing/2014/main" id="{B8A6C2C8-2323-4A26-B257-4AECDD40D6D1}"/>
+              </a:ext>
+            </a:extLst>
+          </p:cNvPr>
+          <p:cNvSpPr/>
+          <p:nvPr/>
+        </p:nvSpPr>
+        <p:spPr>
+          <a:xfrm>
+            <a:off x="2602633" y="3255554"/>
+            <a:ext cx="221672" cy="218249"/>
+          </a:xfrm>
+          <a:prstGeom prst="rect">
+            <a:avLst/>
+          </a:prstGeom>
+          <a:solidFill>
+            <a:schemeClr val="bg1"/>
+          </a:solidFill>
+          <a:ln>
+            <a:solidFill>
+              <a:srgbClr val="FF0000"/>
+            </a:solidFill>
+          </a:ln>
+        </p:spPr>
+        <p:style>
+          <a:lnRef idx="2">
+            <a:schemeClr val="accent1">
+              <a:shade val="50000"/>
+            </a:schemeClr>
+          </a:lnRef>
+          <a:fillRef idx="1">
+            <a:schemeClr val="accent1"/>
+          </a:fillRef>
+          <a:effectRef idx="0">
+            <a:schemeClr val="accent1"/>
+          </a:effectRef>
+          <a:fontRef idx="minor">
+            <a:schemeClr val="lt1"/>
+          </a:fontRef>
+        </p:style>
+        <p:txBody>
+          <a:bodyPr rtlCol="0" anchor="ctr"/>
+          <a:lstStyle/>
+          <a:p>
+            <a:pPr algn="ctr"/>
+            <a:r>
+              <a:rPr lang="en-US" altLang="ko-KR" dirty="0">
+                <a:solidFill>
+                  <a:schemeClr val="tx1"/>
+                </a:solidFill>
+              </a:rPr>
+              <a:t>2</a:t>
+            </a:r>
+            <a:endParaRPr lang="ko-KR" altLang="en-US" dirty="0">
+              <a:solidFill>
+                <a:schemeClr val="tx1"/>
+              </a:solidFill>
+            </a:endParaRPr>
+          </a:p>
+        </p:txBody>
+      </p:sp>
+      <p:sp>
+        <p:nvSpPr>
+          <p:cNvPr id="25" name="직사각형 24">
+            <a:extLst>
+              <a:ext uri="{FF2B5EF4-FFF2-40B4-BE49-F238E27FC236}">
+                <a16:creationId xmlns:a16="http://schemas.microsoft.com/office/drawing/2014/main" id="{F847552D-6655-4EF0-BD7B-A5F27E49ED27}"/>
+              </a:ext>
+            </a:extLst>
+          </p:cNvPr>
+          <p:cNvSpPr/>
+          <p:nvPr/>
+        </p:nvSpPr>
+        <p:spPr>
+          <a:xfrm>
+            <a:off x="3011486" y="3750068"/>
+            <a:ext cx="3247271" cy="80942"/>
+          </a:xfrm>
+          <a:prstGeom prst="rect">
+            <a:avLst/>
+          </a:prstGeom>
+          <a:solidFill>
+            <a:schemeClr val="tx1"/>
+          </a:solidFill>
+          <a:ln>
+            <a:noFill/>
+          </a:ln>
+        </p:spPr>
+        <p:style>
+          <a:lnRef idx="2">
+            <a:schemeClr val="accent1">
+              <a:shade val="50000"/>
+            </a:schemeClr>
+          </a:lnRef>
+          <a:fillRef idx="1">
+            <a:schemeClr val="accent1"/>
+          </a:fillRef>
+          <a:effectRef idx="0">
+            <a:schemeClr val="accent1"/>
+          </a:effectRef>
+          <a:fontRef idx="minor">
+            <a:schemeClr val="lt1"/>
+          </a:fontRef>
+        </p:style>
+        <p:txBody>
+          <a:bodyPr rtlCol="0" anchor="ctr"/>
+          <a:lstStyle/>
+          <a:p>
+            <a:pPr algn="ctr"/>
+            <a:endParaRPr lang="ko-KR" altLang="en-US" dirty="0"/>
+          </a:p>
+        </p:txBody>
+      </p:sp>
+      <p:sp>
+        <p:nvSpPr>
+          <p:cNvPr id="26" name="직사각형 25">
+            <a:extLst>
+              <a:ext uri="{FF2B5EF4-FFF2-40B4-BE49-F238E27FC236}">
+                <a16:creationId xmlns:a16="http://schemas.microsoft.com/office/drawing/2014/main" id="{34E83818-636C-4A5F-BFD8-2E06E8F46D69}"/>
+              </a:ext>
+            </a:extLst>
+          </p:cNvPr>
+          <p:cNvSpPr/>
+          <p:nvPr/>
+        </p:nvSpPr>
+        <p:spPr>
+          <a:xfrm>
+            <a:off x="2946399" y="3619716"/>
+            <a:ext cx="130174" cy="307777"/>
+          </a:xfrm>
+          <a:prstGeom prst="rect">
+            <a:avLst/>
+          </a:prstGeom>
+        </p:spPr>
+        <p:style>
+          <a:lnRef idx="2">
+            <a:schemeClr val="accent1">
+              <a:shade val="50000"/>
+            </a:schemeClr>
+          </a:lnRef>
+          <a:fillRef idx="1">
+            <a:schemeClr val="accent1"/>
+          </a:fillRef>
+          <a:effectRef idx="0">
+            <a:schemeClr val="accent1"/>
+          </a:effectRef>
+          <a:fontRef idx="minor">
+            <a:schemeClr val="lt1"/>
+          </a:fontRef>
+        </p:style>
+        <p:txBody>
+          <a:bodyPr rtlCol="0" anchor="ctr"/>
+          <a:lstStyle/>
+          <a:p>
+            <a:pPr algn="ctr"/>
+            <a:endParaRPr lang="ko-KR" altLang="en-US"/>
+          </a:p>
+        </p:txBody>
+      </p:sp>
+      <p:sp>
+        <p:nvSpPr>
+          <p:cNvPr id="27" name="TextBox 26">
+            <a:extLst>
+              <a:ext uri="{FF2B5EF4-FFF2-40B4-BE49-F238E27FC236}">
+                <a16:creationId xmlns:a16="http://schemas.microsoft.com/office/drawing/2014/main" id="{5E858601-B862-47DB-BFF8-AC9AD0E98177}"/>
+              </a:ext>
+            </a:extLst>
+          </p:cNvPr>
+          <p:cNvSpPr txBox="1"/>
+          <p:nvPr/>
+        </p:nvSpPr>
+        <p:spPr>
+          <a:xfrm>
+            <a:off x="2869460" y="3976373"/>
+            <a:ext cx="284052" cy="307777"/>
+          </a:xfrm>
+          <a:prstGeom prst="rect">
+            <a:avLst/>
+          </a:prstGeom>
+          <a:noFill/>
+        </p:spPr>
+        <p:txBody>
+          <a:bodyPr wrap="none" rtlCol="0">
+            <a:spAutoFit/>
+          </a:bodyPr>
+          <a:lstStyle/>
+          <a:p>
+            <a:pPr algn="ctr"/>
+            <a:r>
+              <a:rPr lang="en-US" altLang="ko-KR" dirty="0">
+                <a:solidFill>
+                  <a:schemeClr val="bg1"/>
+                </a:solidFill>
+              </a:rPr>
+              <a:t>0</a:t>
+            </a:r>
+            <a:endParaRPr lang="ko-KR" altLang="en-US" dirty="0">
+              <a:solidFill>
+                <a:schemeClr val="bg1"/>
+              </a:solidFill>
+            </a:endParaRPr>
+          </a:p>
+        </p:txBody>
+      </p:sp>
+      <p:sp>
+        <p:nvSpPr>
+          <p:cNvPr id="29" name="TextBox 28">
+            <a:extLst>
+              <a:ext uri="{FF2B5EF4-FFF2-40B4-BE49-F238E27FC236}">
+                <a16:creationId xmlns:a16="http://schemas.microsoft.com/office/drawing/2014/main" id="{34739163-BF3E-4612-A64F-F3BD0B8A17E1}"/>
+              </a:ext>
+            </a:extLst>
+          </p:cNvPr>
+          <p:cNvSpPr txBox="1"/>
+          <p:nvPr/>
+        </p:nvSpPr>
+        <p:spPr>
+          <a:xfrm>
+            <a:off x="6032791" y="3976373"/>
+            <a:ext cx="383438" cy="307777"/>
+          </a:xfrm>
+          <a:prstGeom prst="rect">
+            <a:avLst/>
+          </a:prstGeom>
+          <a:noFill/>
+        </p:spPr>
+        <p:txBody>
+          <a:bodyPr wrap="none" rtlCol="0">
+            <a:spAutoFit/>
+          </a:bodyPr>
+          <a:lstStyle/>
+          <a:p>
+            <a:pPr algn="ctr"/>
+            <a:r>
+              <a:rPr lang="en-US" altLang="ko-KR" dirty="0">
+                <a:solidFill>
+                  <a:schemeClr val="bg1"/>
+                </a:solidFill>
+              </a:rPr>
+              <a:t>10</a:t>
+            </a:r>
+            <a:endParaRPr lang="ko-KR" altLang="en-US" dirty="0">
+              <a:solidFill>
+                <a:schemeClr val="bg1"/>
+              </a:solidFill>
+            </a:endParaRPr>
+          </a:p>
+        </p:txBody>
+      </p:sp>
+      <p:sp>
+        <p:nvSpPr>
+          <p:cNvPr id="30" name="TextBox 29">
+            <a:extLst>
+              <a:ext uri="{FF2B5EF4-FFF2-40B4-BE49-F238E27FC236}">
+                <a16:creationId xmlns:a16="http://schemas.microsoft.com/office/drawing/2014/main" id="{7F2948F5-2120-4987-918F-7ED863BC7DFA}"/>
+              </a:ext>
+            </a:extLst>
+          </p:cNvPr>
+          <p:cNvSpPr txBox="1"/>
+          <p:nvPr/>
+        </p:nvSpPr>
+        <p:spPr>
+          <a:xfrm>
+            <a:off x="4037845" y="3171066"/>
+            <a:ext cx="1194558" cy="276999"/>
+          </a:xfrm>
+          <a:prstGeom prst="rect">
+            <a:avLst/>
+          </a:prstGeom>
+          <a:noFill/>
+        </p:spPr>
+        <p:txBody>
+          <a:bodyPr wrap="none" rtlCol="0">
+            <a:spAutoFit/>
+          </a:bodyPr>
+          <a:lstStyle/>
+          <a:p>
+            <a:pPr algn="ctr"/>
+            <a:r>
+              <a:rPr lang="ko-KR" altLang="en-US" sz="1200" dirty="0">
+                <a:solidFill>
+                  <a:schemeClr val="bg1"/>
+                </a:solidFill>
+              </a:rPr>
+              <a:t>전체 음향 조절</a:t>
+            </a:r>
+          </a:p>
+        </p:txBody>
+      </p:sp>
     </p:spTree>
+    <p:extLst>
+      <p:ext uri="{BB962C8B-B14F-4D97-AF65-F5344CB8AC3E}">
+        <p14:creationId xmlns:p14="http://schemas.microsoft.com/office/powerpoint/2010/main" val="1848521212"/>
+      </p:ext>
+    </p:extLst>
+  </p:cSld>
+  <p:clrMapOvr>
+    <a:masterClrMapping/>
+  </p:clrMapOvr>
+</p:sld>
+</file>
+
+<file path=ppt/slides/slide4.xml><?xml version="1.0" encoding="utf-8"?>
+<p:sld xmlns:a="http://schemas.openxmlformats.org/drawingml/2006/main" xmlns:r="http://schemas.openxmlformats.org/officeDocument/2006/relationships" xmlns:p="http://schemas.openxmlformats.org/presentationml/2006/main">
+  <p:cSld>
+    <p:spTree>
+      <p:nvGrpSpPr>
+        <p:cNvPr id="1" name="Shape 94"/>
+        <p:cNvGrpSpPr/>
+        <p:nvPr/>
+      </p:nvGrpSpPr>
+      <p:grpSpPr>
+        <a:xfrm>
+          <a:off x="0" y="0"/>
+          <a:ext cx="0" cy="0"/>
+          <a:chOff x="0" y="0"/>
+          <a:chExt cx="0" cy="0"/>
+        </a:xfrm>
+      </p:grpSpPr>
+      <p:pic>
+        <p:nvPicPr>
+          <p:cNvPr id="4" name="그림 3">
+            <a:extLst>
+              <a:ext uri="{FF2B5EF4-FFF2-40B4-BE49-F238E27FC236}">
+                <a16:creationId xmlns:a16="http://schemas.microsoft.com/office/drawing/2014/main" id="{4E36C9AD-E841-4A65-A0FA-8A7A2022183C}"/>
+              </a:ext>
+            </a:extLst>
+          </p:cNvPr>
+          <p:cNvPicPr>
+            <a:picLocks noChangeAspect="1"/>
+          </p:cNvPicPr>
+          <p:nvPr/>
+        </p:nvPicPr>
+        <p:blipFill>
+          <a:blip r:embed="rId3"/>
+          <a:stretch>
+            <a:fillRect/>
+          </a:stretch>
+        </p:blipFill>
+        <p:spPr>
+          <a:xfrm>
+            <a:off x="459401" y="1308465"/>
+            <a:ext cx="8417146" cy="4749232"/>
+          </a:xfrm>
+          <a:prstGeom prst="rect">
+            <a:avLst/>
+          </a:prstGeom>
+        </p:spPr>
+      </p:pic>
+      <p:sp>
+        <p:nvSpPr>
+          <p:cNvPr id="2" name="직사각형 1">
+            <a:extLst>
+              <a:ext uri="{FF2B5EF4-FFF2-40B4-BE49-F238E27FC236}">
+                <a16:creationId xmlns:a16="http://schemas.microsoft.com/office/drawing/2014/main" id="{081D5A11-368A-4C95-A25C-E6693199330A}"/>
+              </a:ext>
+            </a:extLst>
+          </p:cNvPr>
+          <p:cNvSpPr/>
+          <p:nvPr/>
+        </p:nvSpPr>
+        <p:spPr>
+          <a:xfrm>
+            <a:off x="459401" y="1320497"/>
+            <a:ext cx="8417146" cy="4737200"/>
+          </a:xfrm>
+          <a:prstGeom prst="rect">
+            <a:avLst/>
+          </a:prstGeom>
+          <a:solidFill>
+            <a:schemeClr val="tx1">
+              <a:alpha val="30000"/>
+            </a:schemeClr>
+          </a:solidFill>
+          <a:ln>
+            <a:noFill/>
+          </a:ln>
+        </p:spPr>
+        <p:style>
+          <a:lnRef idx="2">
+            <a:schemeClr val="accent1">
+              <a:shade val="50000"/>
+            </a:schemeClr>
+          </a:lnRef>
+          <a:fillRef idx="1">
+            <a:schemeClr val="accent1"/>
+          </a:fillRef>
+          <a:effectRef idx="0">
+            <a:schemeClr val="accent1"/>
+          </a:effectRef>
+          <a:fontRef idx="minor">
+            <a:schemeClr val="lt1"/>
+          </a:fontRef>
+        </p:style>
+        <p:txBody>
+          <a:bodyPr rtlCol="0" anchor="ctr"/>
+          <a:lstStyle/>
+          <a:p>
+            <a:pPr algn="ctr"/>
+            <a:endParaRPr lang="ko-KR" altLang="en-US" dirty="0"/>
+          </a:p>
+        </p:txBody>
+      </p:sp>
+      <p:sp>
+        <p:nvSpPr>
+          <p:cNvPr id="5" name="직사각형 4">
+            <a:extLst>
+              <a:ext uri="{FF2B5EF4-FFF2-40B4-BE49-F238E27FC236}">
+                <a16:creationId xmlns:a16="http://schemas.microsoft.com/office/drawing/2014/main" id="{DBA60AE5-17E1-4D37-9AE9-2A60A39E33EC}"/>
+              </a:ext>
+            </a:extLst>
+          </p:cNvPr>
+          <p:cNvSpPr/>
+          <p:nvPr/>
+        </p:nvSpPr>
+        <p:spPr>
+          <a:xfrm>
+            <a:off x="2654424" y="2385214"/>
+            <a:ext cx="4025654" cy="2272413"/>
+          </a:xfrm>
+          <a:prstGeom prst="rect">
+            <a:avLst/>
+          </a:prstGeom>
+          <a:solidFill>
+            <a:srgbClr val="394B54">
+              <a:alpha val="60000"/>
+            </a:srgbClr>
+          </a:solidFill>
+          <a:ln>
+            <a:solidFill>
+              <a:schemeClr val="bg1"/>
+            </a:solidFill>
+          </a:ln>
+        </p:spPr>
+        <p:style>
+          <a:lnRef idx="2">
+            <a:schemeClr val="accent1">
+              <a:shade val="50000"/>
+            </a:schemeClr>
+          </a:lnRef>
+          <a:fillRef idx="1">
+            <a:schemeClr val="accent1"/>
+          </a:fillRef>
+          <a:effectRef idx="0">
+            <a:schemeClr val="accent1"/>
+          </a:effectRef>
+          <a:fontRef idx="minor">
+            <a:schemeClr val="lt1"/>
+          </a:fontRef>
+        </p:style>
+        <p:txBody>
+          <a:bodyPr rtlCol="0" anchor="ctr"/>
+          <a:lstStyle/>
+          <a:p>
+            <a:pPr algn="ctr"/>
+            <a:endParaRPr lang="ko-KR" altLang="en-US"/>
+          </a:p>
+        </p:txBody>
+      </p:sp>
+      <p:sp>
+        <p:nvSpPr>
+          <p:cNvPr id="35" name="직사각형 34">
+            <a:extLst>
+              <a:ext uri="{FF2B5EF4-FFF2-40B4-BE49-F238E27FC236}">
+                <a16:creationId xmlns:a16="http://schemas.microsoft.com/office/drawing/2014/main" id="{2032D0F8-1487-42CB-9110-0F619D35BCF3}"/>
+              </a:ext>
+            </a:extLst>
+          </p:cNvPr>
+          <p:cNvSpPr/>
+          <p:nvPr/>
+        </p:nvSpPr>
+        <p:spPr>
+          <a:xfrm>
+            <a:off x="2781113" y="3018076"/>
+            <a:ext cx="3713439" cy="1479754"/>
+          </a:xfrm>
+          <a:prstGeom prst="rect">
+            <a:avLst/>
+          </a:prstGeom>
+          <a:solidFill>
+            <a:srgbClr val="394B54">
+              <a:alpha val="60000"/>
+            </a:srgbClr>
+          </a:solidFill>
+          <a:ln>
+            <a:solidFill>
+              <a:schemeClr val="bg1"/>
+            </a:solidFill>
+          </a:ln>
+        </p:spPr>
+        <p:style>
+          <a:lnRef idx="2">
+            <a:schemeClr val="accent1">
+              <a:shade val="50000"/>
+            </a:schemeClr>
+          </a:lnRef>
+          <a:fillRef idx="1">
+            <a:schemeClr val="accent1"/>
+          </a:fillRef>
+          <a:effectRef idx="0">
+            <a:schemeClr val="accent1"/>
+          </a:effectRef>
+          <a:fontRef idx="minor">
+            <a:schemeClr val="lt1"/>
+          </a:fontRef>
+        </p:style>
+        <p:txBody>
+          <a:bodyPr rtlCol="0" anchor="ctr"/>
+          <a:lstStyle/>
+          <a:p>
+            <a:pPr algn="ctr"/>
+            <a:endParaRPr lang="ko-KR" altLang="en-US"/>
+          </a:p>
+        </p:txBody>
+      </p:sp>
+      <p:sp>
+        <p:nvSpPr>
+          <p:cNvPr id="95" name="Google Shape;95;p2"/>
+          <p:cNvSpPr txBox="1"/>
+          <p:nvPr/>
+        </p:nvSpPr>
+        <p:spPr>
+          <a:xfrm>
+            <a:off x="118878" y="257917"/>
+            <a:ext cx="3871230" cy="369291"/>
+          </a:xfrm>
+          <a:prstGeom prst="rect">
+            <a:avLst/>
+          </a:prstGeom>
+          <a:noFill/>
+          <a:ln>
+            <a:noFill/>
+          </a:ln>
+        </p:spPr>
+        <p:txBody>
+          <a:bodyPr spcFirstLastPara="1" wrap="square" lIns="91425" tIns="45700" rIns="91425" bIns="45700" anchor="t" anchorCtr="0">
+            <a:spAutoFit/>
+          </a:bodyPr>
+          <a:lstStyle/>
+          <a:p>
+            <a:pPr marL="0" marR="0" lvl="0" indent="0" algn="l" rtl="0">
+              <a:spcBef>
+                <a:spcPts val="0"/>
+              </a:spcBef>
+              <a:spcAft>
+                <a:spcPts val="0"/>
+              </a:spcAft>
+              <a:buNone/>
+            </a:pPr>
+            <a:r>
+              <a:rPr lang="ko-KR" altLang="en-US" sz="1800" b="0" i="0" u="none" strike="noStrike" cap="none">
+                <a:solidFill>
+                  <a:schemeClr val="dk1"/>
+                </a:solidFill>
+                <a:latin typeface="Malgun Gothic"/>
+                <a:ea typeface="Malgun Gothic"/>
+                <a:cs typeface="Malgun Gothic"/>
+                <a:sym typeface="Malgun Gothic"/>
+              </a:rPr>
+              <a:t>옵션 </a:t>
+            </a:r>
+            <a:r>
+              <a:rPr lang="ko-KR" sz="1800" b="0" i="0" u="none" strike="noStrike" cap="none">
+                <a:solidFill>
+                  <a:schemeClr val="dk1"/>
+                </a:solidFill>
+                <a:latin typeface="Malgun Gothic"/>
+                <a:ea typeface="Malgun Gothic"/>
+                <a:cs typeface="Malgun Gothic"/>
+                <a:sym typeface="Malgun Gothic"/>
+              </a:rPr>
+              <a:t>구성</a:t>
+            </a:r>
+            <a:r>
+              <a:rPr lang="ko-KR" altLang="en-US" sz="1800">
+                <a:solidFill>
+                  <a:schemeClr val="dk1"/>
+                </a:solidFill>
+                <a:latin typeface="Malgun Gothic"/>
+                <a:ea typeface="Malgun Gothic"/>
+                <a:cs typeface="Malgun Gothic"/>
+                <a:sym typeface="Malgun Gothic"/>
+              </a:rPr>
+              <a:t>에 대한 시스템 디자인</a:t>
+            </a:r>
+            <a:endParaRPr sz="1800" dirty="0">
+              <a:solidFill>
+                <a:schemeClr val="dk1"/>
+              </a:solidFill>
+              <a:latin typeface="Malgun Gothic"/>
+              <a:ea typeface="Malgun Gothic"/>
+              <a:cs typeface="Malgun Gothic"/>
+              <a:sym typeface="Malgun Gothic"/>
+            </a:endParaRPr>
+          </a:p>
+        </p:txBody>
+      </p:sp>
+      <p:sp>
+        <p:nvSpPr>
+          <p:cNvPr id="96" name="Google Shape;96;p2"/>
+          <p:cNvSpPr/>
+          <p:nvPr/>
+        </p:nvSpPr>
+        <p:spPr>
+          <a:xfrm>
+            <a:off x="125177" y="661432"/>
+            <a:ext cx="11640600" cy="5754900"/>
+          </a:xfrm>
+          <a:prstGeom prst="rect">
+            <a:avLst/>
+          </a:prstGeom>
+          <a:noFill/>
+          <a:ln w="12700" cap="flat" cmpd="sng">
+            <a:solidFill>
+              <a:schemeClr val="dk1"/>
+            </a:solidFill>
+            <a:prstDash val="solid"/>
+            <a:miter lim="800000"/>
+            <a:headEnd type="none" w="sm" len="sm"/>
+            <a:tailEnd type="none" w="sm" len="sm"/>
+          </a:ln>
+        </p:spPr>
+        <p:txBody>
+          <a:bodyPr spcFirstLastPara="1" wrap="square" lIns="91425" tIns="45700" rIns="91425" bIns="45700" anchor="ctr" anchorCtr="0">
+            <a:noAutofit/>
+          </a:bodyPr>
+          <a:lstStyle/>
+          <a:p>
+            <a:pPr marL="0" marR="0" lvl="0" indent="0" algn="ctr" rtl="0">
+              <a:spcBef>
+                <a:spcPts val="0"/>
+              </a:spcBef>
+              <a:spcAft>
+                <a:spcPts val="0"/>
+              </a:spcAft>
+              <a:buNone/>
+            </a:pPr>
+            <a:endParaRPr sz="1800">
+              <a:latin typeface="Malgun Gothic"/>
+              <a:ea typeface="Malgun Gothic"/>
+              <a:cs typeface="Malgun Gothic"/>
+              <a:sym typeface="Malgun Gothic"/>
+            </a:endParaRPr>
+          </a:p>
+        </p:txBody>
+      </p:sp>
+      <p:cxnSp>
+        <p:nvCxnSpPr>
+          <p:cNvPr id="97" name="Google Shape;97;p2"/>
+          <p:cNvCxnSpPr/>
+          <p:nvPr/>
+        </p:nvCxnSpPr>
+        <p:spPr>
+          <a:xfrm>
+            <a:off x="9245600" y="675105"/>
+            <a:ext cx="0" cy="5754755"/>
+          </a:xfrm>
+          <a:prstGeom prst="straightConnector1">
+            <a:avLst/>
+          </a:prstGeom>
+          <a:noFill/>
+          <a:ln w="9525" cap="flat" cmpd="sng">
+            <a:solidFill>
+              <a:schemeClr val="dk1"/>
+            </a:solidFill>
+            <a:prstDash val="solid"/>
+            <a:miter lim="800000"/>
+            <a:headEnd type="none" w="sm" len="sm"/>
+            <a:tailEnd type="none" w="sm" len="sm"/>
+          </a:ln>
+        </p:spPr>
+      </p:cxnSp>
+      <p:sp>
+        <p:nvSpPr>
+          <p:cNvPr id="101" name="Google Shape;101;p2"/>
+          <p:cNvSpPr txBox="1"/>
+          <p:nvPr/>
+        </p:nvSpPr>
+        <p:spPr>
+          <a:xfrm>
+            <a:off x="342280" y="800303"/>
+            <a:ext cx="8903320" cy="369291"/>
+          </a:xfrm>
+          <a:prstGeom prst="rect">
+            <a:avLst/>
+          </a:prstGeom>
+          <a:noFill/>
+          <a:ln>
+            <a:noFill/>
+          </a:ln>
+        </p:spPr>
+        <p:txBody>
+          <a:bodyPr spcFirstLastPara="1" wrap="square" lIns="91425" tIns="45700" rIns="91425" bIns="45700" anchor="t" anchorCtr="0">
+            <a:spAutoFit/>
+          </a:bodyPr>
+          <a:lstStyle/>
+          <a:p>
+            <a:pPr marL="171450" marR="0" lvl="0" indent="-171450" algn="l" rtl="0">
+              <a:lnSpc>
+                <a:spcPct val="150000"/>
+              </a:lnSpc>
+              <a:spcBef>
+                <a:spcPts val="0"/>
+              </a:spcBef>
+              <a:spcAft>
+                <a:spcPts val="0"/>
+              </a:spcAft>
+              <a:buClr>
+                <a:schemeClr val="dk1"/>
+              </a:buClr>
+              <a:buSzPts val="1200"/>
+              <a:buFont typeface="Arial"/>
+              <a:buChar char="•"/>
+            </a:pPr>
+            <a:r>
+              <a:rPr lang="ko-KR" altLang="en-US" sz="1200" dirty="0" err="1">
+                <a:solidFill>
+                  <a:schemeClr val="dk1"/>
+                </a:solidFill>
+                <a:latin typeface="Malgun Gothic"/>
+                <a:ea typeface="Malgun Gothic"/>
+                <a:cs typeface="Malgun Gothic"/>
+                <a:sym typeface="Malgun Gothic"/>
+              </a:rPr>
+              <a:t>예람씨가</a:t>
+            </a:r>
+            <a:r>
+              <a:rPr lang="ko-KR" altLang="en-US" sz="1200" dirty="0">
+                <a:solidFill>
+                  <a:schemeClr val="dk1"/>
+                </a:solidFill>
+                <a:latin typeface="Malgun Gothic"/>
+                <a:ea typeface="Malgun Gothic"/>
+                <a:cs typeface="Malgun Gothic"/>
+                <a:sym typeface="Malgun Gothic"/>
+              </a:rPr>
+              <a:t> 구성해둔 백그라운드를 그대로 사용한다</a:t>
+            </a:r>
+            <a:r>
+              <a:rPr lang="en-US" altLang="ko-KR" sz="1200" dirty="0">
+                <a:solidFill>
+                  <a:schemeClr val="dk1"/>
+                </a:solidFill>
+                <a:latin typeface="Malgun Gothic"/>
+                <a:ea typeface="Malgun Gothic"/>
+                <a:cs typeface="Malgun Gothic"/>
+                <a:sym typeface="Malgun Gothic"/>
+              </a:rPr>
+              <a:t>.</a:t>
+            </a:r>
+            <a:endParaRPr lang="ko-KR" altLang="en-US" sz="1200" dirty="0">
+              <a:solidFill>
+                <a:schemeClr val="dk1"/>
+              </a:solidFill>
+              <a:latin typeface="Malgun Gothic"/>
+              <a:ea typeface="Malgun Gothic"/>
+              <a:cs typeface="Malgun Gothic"/>
+              <a:sym typeface="Malgun Gothic"/>
+            </a:endParaRPr>
+          </a:p>
+        </p:txBody>
+      </p:sp>
+      <p:sp>
+        <p:nvSpPr>
+          <p:cNvPr id="11" name="직사각형 10">
+            <a:extLst>
+              <a:ext uri="{FF2B5EF4-FFF2-40B4-BE49-F238E27FC236}">
+                <a16:creationId xmlns:a16="http://schemas.microsoft.com/office/drawing/2014/main" id="{50306452-7DA7-4C00-864E-51A347C3BB80}"/>
+              </a:ext>
+            </a:extLst>
+          </p:cNvPr>
+          <p:cNvSpPr/>
+          <p:nvPr/>
+        </p:nvSpPr>
+        <p:spPr>
+          <a:xfrm>
+            <a:off x="4101484" y="2486178"/>
+            <a:ext cx="1132980" cy="454394"/>
+          </a:xfrm>
+          <a:prstGeom prst="rect">
+            <a:avLst/>
+          </a:prstGeom>
+          <a:solidFill>
+            <a:schemeClr val="tx1"/>
+          </a:solidFill>
+          <a:ln>
+            <a:noFill/>
+          </a:ln>
+        </p:spPr>
+        <p:style>
+          <a:lnRef idx="2">
+            <a:schemeClr val="accent1">
+              <a:shade val="50000"/>
+            </a:schemeClr>
+          </a:lnRef>
+          <a:fillRef idx="1">
+            <a:schemeClr val="accent1"/>
+          </a:fillRef>
+          <a:effectRef idx="0">
+            <a:schemeClr val="accent1"/>
+          </a:effectRef>
+          <a:fontRef idx="minor">
+            <a:schemeClr val="lt1"/>
+          </a:fontRef>
+        </p:style>
+        <p:txBody>
+          <a:bodyPr rtlCol="0" anchor="ctr"/>
+          <a:lstStyle/>
+          <a:p>
+            <a:pPr algn="ctr"/>
+            <a:r>
+              <a:rPr lang="ko-KR" altLang="en-US" dirty="0"/>
+              <a:t>음향 조절</a:t>
+            </a:r>
+          </a:p>
+        </p:txBody>
+      </p:sp>
+      <p:sp>
+        <p:nvSpPr>
+          <p:cNvPr id="16" name="직사각형 15">
+            <a:extLst>
+              <a:ext uri="{FF2B5EF4-FFF2-40B4-BE49-F238E27FC236}">
+                <a16:creationId xmlns:a16="http://schemas.microsoft.com/office/drawing/2014/main" id="{2AB4C629-09F0-422B-A157-8A395162ABD9}"/>
+              </a:ext>
+            </a:extLst>
+          </p:cNvPr>
+          <p:cNvSpPr/>
+          <p:nvPr/>
+        </p:nvSpPr>
+        <p:spPr>
+          <a:xfrm>
+            <a:off x="2857128" y="2482249"/>
+            <a:ext cx="1132980" cy="454394"/>
+          </a:xfrm>
+          <a:prstGeom prst="rect">
+            <a:avLst/>
+          </a:prstGeom>
+          <a:solidFill>
+            <a:schemeClr val="tx1"/>
+          </a:solidFill>
+          <a:ln>
+            <a:noFill/>
+          </a:ln>
+        </p:spPr>
+        <p:style>
+          <a:lnRef idx="2">
+            <a:schemeClr val="accent1">
+              <a:shade val="50000"/>
+            </a:schemeClr>
+          </a:lnRef>
+          <a:fillRef idx="1">
+            <a:schemeClr val="accent1"/>
+          </a:fillRef>
+          <a:effectRef idx="0">
+            <a:schemeClr val="accent1"/>
+          </a:effectRef>
+          <a:fontRef idx="minor">
+            <a:schemeClr val="lt1"/>
+          </a:fontRef>
+        </p:style>
+        <p:txBody>
+          <a:bodyPr rtlCol="0" anchor="ctr"/>
+          <a:lstStyle/>
+          <a:p>
+            <a:pPr algn="ctr"/>
+            <a:r>
+              <a:rPr lang="ko-KR" altLang="en-US" dirty="0"/>
+              <a:t>단축키</a:t>
+            </a:r>
+          </a:p>
+        </p:txBody>
+      </p:sp>
+      <p:sp>
+        <p:nvSpPr>
+          <p:cNvPr id="10" name="직사각형 9">
+            <a:extLst>
+              <a:ext uri="{FF2B5EF4-FFF2-40B4-BE49-F238E27FC236}">
+                <a16:creationId xmlns:a16="http://schemas.microsoft.com/office/drawing/2014/main" id="{92634720-1290-49E5-90F0-ABC9DE19B6F6}"/>
+              </a:ext>
+            </a:extLst>
+          </p:cNvPr>
+          <p:cNvSpPr/>
+          <p:nvPr/>
+        </p:nvSpPr>
+        <p:spPr>
+          <a:xfrm>
+            <a:off x="9392981" y="875823"/>
+            <a:ext cx="221672" cy="218249"/>
+          </a:xfrm>
+          <a:prstGeom prst="rect">
+            <a:avLst/>
+          </a:prstGeom>
+          <a:solidFill>
+            <a:schemeClr val="bg1"/>
+          </a:solidFill>
+          <a:ln>
+            <a:solidFill>
+              <a:srgbClr val="FF0000"/>
+            </a:solidFill>
+          </a:ln>
+        </p:spPr>
+        <p:style>
+          <a:lnRef idx="2">
+            <a:schemeClr val="accent1">
+              <a:shade val="50000"/>
+            </a:schemeClr>
+          </a:lnRef>
+          <a:fillRef idx="1">
+            <a:schemeClr val="accent1"/>
+          </a:fillRef>
+          <a:effectRef idx="0">
+            <a:schemeClr val="accent1"/>
+          </a:effectRef>
+          <a:fontRef idx="minor">
+            <a:schemeClr val="lt1"/>
+          </a:fontRef>
+        </p:style>
+        <p:txBody>
+          <a:bodyPr rtlCol="0" anchor="ctr"/>
+          <a:lstStyle/>
+          <a:p>
+            <a:pPr algn="ctr"/>
+            <a:r>
+              <a:rPr lang="en-US" altLang="ko-KR" dirty="0">
+                <a:solidFill>
+                  <a:schemeClr val="tx1"/>
+                </a:solidFill>
+              </a:rPr>
+              <a:t>1</a:t>
+            </a:r>
+            <a:endParaRPr lang="ko-KR" altLang="en-US" dirty="0">
+              <a:solidFill>
+                <a:schemeClr val="tx1"/>
+              </a:solidFill>
+            </a:endParaRPr>
+          </a:p>
+        </p:txBody>
+      </p:sp>
+      <p:sp>
+        <p:nvSpPr>
+          <p:cNvPr id="28" name="Google Shape;101;p2">
+            <a:extLst>
+              <a:ext uri="{FF2B5EF4-FFF2-40B4-BE49-F238E27FC236}">
+                <a16:creationId xmlns:a16="http://schemas.microsoft.com/office/drawing/2014/main" id="{8CDC454F-0BDF-4D4B-ADC9-504276329534}"/>
+              </a:ext>
+            </a:extLst>
+          </p:cNvPr>
+          <p:cNvSpPr txBox="1"/>
+          <p:nvPr/>
+        </p:nvSpPr>
+        <p:spPr>
+          <a:xfrm>
+            <a:off x="9614654" y="800303"/>
+            <a:ext cx="2117943" cy="1477287"/>
+          </a:xfrm>
+          <a:prstGeom prst="rect">
+            <a:avLst/>
+          </a:prstGeom>
+          <a:noFill/>
+          <a:ln>
+            <a:noFill/>
+          </a:ln>
+        </p:spPr>
+        <p:txBody>
+          <a:bodyPr spcFirstLastPara="1" wrap="square" lIns="91425" tIns="45700" rIns="91425" bIns="45700" anchor="t" anchorCtr="0">
+            <a:spAutoFit/>
+          </a:bodyPr>
+          <a:lstStyle/>
+          <a:p>
+            <a:pPr marL="171450" marR="0" lvl="0" indent="-171450" algn="l" rtl="0">
+              <a:lnSpc>
+                <a:spcPct val="150000"/>
+              </a:lnSpc>
+              <a:spcBef>
+                <a:spcPts val="0"/>
+              </a:spcBef>
+              <a:spcAft>
+                <a:spcPts val="0"/>
+              </a:spcAft>
+              <a:buClr>
+                <a:schemeClr val="dk1"/>
+              </a:buClr>
+              <a:buSzPts val="1200"/>
+              <a:buFont typeface="Arial"/>
+              <a:buChar char="•"/>
+            </a:pPr>
+            <a:r>
+              <a:rPr lang="ko-KR" altLang="en-US" sz="1200" dirty="0">
+                <a:solidFill>
+                  <a:schemeClr val="dk1"/>
+                </a:solidFill>
+                <a:latin typeface="Malgun Gothic"/>
+                <a:ea typeface="Malgun Gothic"/>
+                <a:cs typeface="Malgun Gothic"/>
+                <a:sym typeface="Malgun Gothic"/>
+              </a:rPr>
+              <a:t>버튼 형식</a:t>
+            </a:r>
+            <a:r>
+              <a:rPr lang="en-US" altLang="ko-KR" sz="1200" dirty="0">
+                <a:solidFill>
+                  <a:schemeClr val="dk1"/>
+                </a:solidFill>
+                <a:latin typeface="Malgun Gothic"/>
+                <a:ea typeface="Malgun Gothic"/>
+                <a:cs typeface="Malgun Gothic"/>
+                <a:sym typeface="Malgun Gothic"/>
+              </a:rPr>
+              <a:t>, </a:t>
+            </a:r>
+            <a:r>
+              <a:rPr lang="ko-KR" altLang="en-US" sz="1200" dirty="0">
+                <a:solidFill>
+                  <a:schemeClr val="dk1"/>
+                </a:solidFill>
+                <a:latin typeface="Malgun Gothic"/>
+                <a:ea typeface="Malgun Gothic"/>
+                <a:cs typeface="Malgun Gothic"/>
+                <a:sym typeface="Malgun Gothic"/>
+              </a:rPr>
+              <a:t>으로 단축키</a:t>
+            </a:r>
+            <a:r>
+              <a:rPr lang="en-US" altLang="ko-KR" sz="1200" dirty="0">
+                <a:solidFill>
+                  <a:schemeClr val="dk1"/>
+                </a:solidFill>
+                <a:latin typeface="Malgun Gothic"/>
+                <a:ea typeface="Malgun Gothic"/>
+                <a:cs typeface="Malgun Gothic"/>
+                <a:sym typeface="Malgun Gothic"/>
+              </a:rPr>
+              <a:t>, </a:t>
+            </a:r>
+            <a:r>
+              <a:rPr lang="ko-KR" altLang="en-US" sz="1200" dirty="0">
+                <a:solidFill>
+                  <a:schemeClr val="dk1"/>
+                </a:solidFill>
+                <a:latin typeface="Malgun Gothic"/>
+                <a:ea typeface="Malgun Gothic"/>
+                <a:cs typeface="Malgun Gothic"/>
+                <a:sym typeface="Malgun Gothic"/>
+              </a:rPr>
+              <a:t>음향 조절</a:t>
+            </a:r>
+            <a:r>
+              <a:rPr lang="en-US" altLang="ko-KR" sz="1200" dirty="0">
+                <a:solidFill>
+                  <a:schemeClr val="dk1"/>
+                </a:solidFill>
+                <a:latin typeface="Malgun Gothic"/>
+                <a:ea typeface="Malgun Gothic"/>
+                <a:cs typeface="Malgun Gothic"/>
+                <a:sym typeface="Malgun Gothic"/>
+              </a:rPr>
+              <a:t>, </a:t>
+            </a:r>
+            <a:r>
+              <a:rPr lang="ko-KR" altLang="en-US" sz="1200" dirty="0">
+                <a:solidFill>
+                  <a:schemeClr val="dk1"/>
+                </a:solidFill>
+                <a:latin typeface="Malgun Gothic"/>
+                <a:ea typeface="Malgun Gothic"/>
+                <a:cs typeface="Malgun Gothic"/>
+                <a:sym typeface="Malgun Gothic"/>
+              </a:rPr>
+              <a:t>비디오의 버튼을 누르면 아래의 </a:t>
+            </a:r>
+            <a:r>
+              <a:rPr lang="en-US" altLang="ko-KR" sz="1200" dirty="0">
+                <a:solidFill>
+                  <a:schemeClr val="dk1"/>
+                </a:solidFill>
+                <a:latin typeface="Malgun Gothic"/>
+                <a:ea typeface="Malgun Gothic"/>
+                <a:cs typeface="Malgun Gothic"/>
+                <a:sym typeface="Malgun Gothic"/>
+              </a:rPr>
+              <a:t>2</a:t>
+            </a:r>
+            <a:r>
+              <a:rPr lang="ko-KR" altLang="en-US" sz="1200" dirty="0">
+                <a:solidFill>
+                  <a:schemeClr val="dk1"/>
+                </a:solidFill>
+                <a:latin typeface="Malgun Gothic"/>
+                <a:ea typeface="Malgun Gothic"/>
+                <a:cs typeface="Malgun Gothic"/>
+                <a:sym typeface="Malgun Gothic"/>
+              </a:rPr>
+              <a:t>번이 변경 되는 방식으로 사용한다</a:t>
+            </a:r>
+            <a:r>
+              <a:rPr lang="en-US" altLang="ko-KR" sz="1200" dirty="0">
+                <a:solidFill>
+                  <a:schemeClr val="dk1"/>
+                </a:solidFill>
+                <a:latin typeface="Malgun Gothic"/>
+                <a:ea typeface="Malgun Gothic"/>
+                <a:cs typeface="Malgun Gothic"/>
+                <a:sym typeface="Malgun Gothic"/>
+              </a:rPr>
+              <a:t>.</a:t>
+            </a:r>
+            <a:endParaRPr lang="ko-KR" altLang="en-US" sz="1200" dirty="0">
+              <a:solidFill>
+                <a:schemeClr val="dk1"/>
+              </a:solidFill>
+              <a:latin typeface="Malgun Gothic"/>
+              <a:ea typeface="Malgun Gothic"/>
+              <a:cs typeface="Malgun Gothic"/>
+              <a:sym typeface="Malgun Gothic"/>
+            </a:endParaRPr>
+          </a:p>
+        </p:txBody>
+      </p:sp>
+      <p:sp>
+        <p:nvSpPr>
+          <p:cNvPr id="31" name="직사각형 30">
+            <a:extLst>
+              <a:ext uri="{FF2B5EF4-FFF2-40B4-BE49-F238E27FC236}">
+                <a16:creationId xmlns:a16="http://schemas.microsoft.com/office/drawing/2014/main" id="{DA718C66-1075-4E1B-BF4A-5BDFC190520E}"/>
+              </a:ext>
+            </a:extLst>
+          </p:cNvPr>
+          <p:cNvSpPr/>
+          <p:nvPr/>
+        </p:nvSpPr>
+        <p:spPr>
+          <a:xfrm>
+            <a:off x="9392981" y="2340824"/>
+            <a:ext cx="221672" cy="218249"/>
+          </a:xfrm>
+          <a:prstGeom prst="rect">
+            <a:avLst/>
+          </a:prstGeom>
+          <a:solidFill>
+            <a:schemeClr val="bg1"/>
+          </a:solidFill>
+          <a:ln>
+            <a:solidFill>
+              <a:srgbClr val="FF0000"/>
+            </a:solidFill>
+          </a:ln>
+        </p:spPr>
+        <p:style>
+          <a:lnRef idx="2">
+            <a:schemeClr val="accent1">
+              <a:shade val="50000"/>
+            </a:schemeClr>
+          </a:lnRef>
+          <a:fillRef idx="1">
+            <a:schemeClr val="accent1"/>
+          </a:fillRef>
+          <a:effectRef idx="0">
+            <a:schemeClr val="accent1"/>
+          </a:effectRef>
+          <a:fontRef idx="minor">
+            <a:schemeClr val="lt1"/>
+          </a:fontRef>
+        </p:style>
+        <p:txBody>
+          <a:bodyPr rtlCol="0" anchor="ctr"/>
+          <a:lstStyle/>
+          <a:p>
+            <a:pPr algn="ctr"/>
+            <a:r>
+              <a:rPr lang="en-US" altLang="ko-KR" dirty="0">
+                <a:solidFill>
+                  <a:schemeClr val="tx1"/>
+                </a:solidFill>
+              </a:rPr>
+              <a:t>2</a:t>
+            </a:r>
+            <a:endParaRPr lang="ko-KR" altLang="en-US" dirty="0">
+              <a:solidFill>
+                <a:schemeClr val="tx1"/>
+              </a:solidFill>
+            </a:endParaRPr>
+          </a:p>
+        </p:txBody>
+      </p:sp>
+      <p:sp>
+        <p:nvSpPr>
+          <p:cNvPr id="32" name="Google Shape;101;p2">
+            <a:extLst>
+              <a:ext uri="{FF2B5EF4-FFF2-40B4-BE49-F238E27FC236}">
+                <a16:creationId xmlns:a16="http://schemas.microsoft.com/office/drawing/2014/main" id="{89F47838-ACFC-4BBE-B9EA-5E45F811D779}"/>
+              </a:ext>
+            </a:extLst>
+          </p:cNvPr>
+          <p:cNvSpPr txBox="1"/>
+          <p:nvPr/>
+        </p:nvSpPr>
+        <p:spPr>
+          <a:xfrm>
+            <a:off x="9614654" y="2265304"/>
+            <a:ext cx="2202914" cy="1200288"/>
+          </a:xfrm>
+          <a:prstGeom prst="rect">
+            <a:avLst/>
+          </a:prstGeom>
+          <a:noFill/>
+          <a:ln>
+            <a:noFill/>
+          </a:ln>
+        </p:spPr>
+        <p:txBody>
+          <a:bodyPr spcFirstLastPara="1" wrap="square" lIns="91425" tIns="45700" rIns="91425" bIns="45700" anchor="t" anchorCtr="0">
+            <a:spAutoFit/>
+          </a:bodyPr>
+          <a:lstStyle/>
+          <a:p>
+            <a:pPr marL="171450" marR="0" lvl="0" indent="-171450" algn="l" rtl="0">
+              <a:lnSpc>
+                <a:spcPct val="150000"/>
+              </a:lnSpc>
+              <a:spcBef>
+                <a:spcPts val="0"/>
+              </a:spcBef>
+              <a:spcAft>
+                <a:spcPts val="0"/>
+              </a:spcAft>
+              <a:buClr>
+                <a:schemeClr val="dk1"/>
+              </a:buClr>
+              <a:buSzPts val="1200"/>
+              <a:buFont typeface="Arial"/>
+              <a:buChar char="•"/>
+            </a:pPr>
+            <a:r>
+              <a:rPr lang="ko-KR" altLang="en-US" sz="1200" dirty="0">
+                <a:solidFill>
+                  <a:schemeClr val="dk1"/>
+                </a:solidFill>
+                <a:latin typeface="Malgun Gothic"/>
+                <a:ea typeface="Malgun Gothic"/>
+                <a:cs typeface="Malgun Gothic"/>
+                <a:sym typeface="Malgun Gothic"/>
+              </a:rPr>
+              <a:t>게임 해상도 </a:t>
+            </a:r>
+            <a:r>
+              <a:rPr lang="en-US" altLang="ko-KR" sz="1200" dirty="0">
+                <a:solidFill>
+                  <a:schemeClr val="dk1"/>
+                </a:solidFill>
+                <a:latin typeface="Malgun Gothic"/>
+                <a:ea typeface="Malgun Gothic"/>
+                <a:cs typeface="Malgun Gothic"/>
+                <a:sym typeface="Malgun Gothic"/>
+              </a:rPr>
+              <a:t>1920 x 1080</a:t>
+            </a:r>
+            <a:r>
+              <a:rPr lang="ko-KR" altLang="en-US" sz="1200" dirty="0">
+                <a:solidFill>
+                  <a:schemeClr val="dk1"/>
+                </a:solidFill>
+                <a:latin typeface="Malgun Gothic"/>
+                <a:ea typeface="Malgun Gothic"/>
+                <a:cs typeface="Malgun Gothic"/>
+                <a:sym typeface="Malgun Gothic"/>
+              </a:rPr>
+              <a:t>으로 게임 해상도를 텍스트로 띄워주고 별도로 수정이 가능하지는 않다</a:t>
+            </a:r>
+            <a:r>
+              <a:rPr lang="en-US" altLang="ko-KR" sz="1200">
+                <a:solidFill>
+                  <a:schemeClr val="dk1"/>
+                </a:solidFill>
+                <a:latin typeface="Malgun Gothic"/>
+                <a:ea typeface="Malgun Gothic"/>
+                <a:cs typeface="Malgun Gothic"/>
+                <a:sym typeface="Malgun Gothic"/>
+              </a:rPr>
+              <a:t>.</a:t>
+            </a:r>
+            <a:endParaRPr lang="en-US" altLang="ko-KR" sz="1200" dirty="0">
+              <a:solidFill>
+                <a:schemeClr val="dk1"/>
+              </a:solidFill>
+              <a:latin typeface="Malgun Gothic"/>
+              <a:ea typeface="Malgun Gothic"/>
+              <a:cs typeface="Malgun Gothic"/>
+              <a:sym typeface="Malgun Gothic"/>
+            </a:endParaRPr>
+          </a:p>
+        </p:txBody>
+      </p:sp>
+      <p:sp>
+        <p:nvSpPr>
+          <p:cNvPr id="33" name="직사각형 32">
+            <a:extLst>
+              <a:ext uri="{FF2B5EF4-FFF2-40B4-BE49-F238E27FC236}">
+                <a16:creationId xmlns:a16="http://schemas.microsoft.com/office/drawing/2014/main" id="{CF7B6287-BC03-4BA8-89E5-3BC6886DB645}"/>
+              </a:ext>
+            </a:extLst>
+          </p:cNvPr>
+          <p:cNvSpPr/>
+          <p:nvPr/>
+        </p:nvSpPr>
+        <p:spPr>
+          <a:xfrm>
+            <a:off x="5437168" y="2486178"/>
+            <a:ext cx="1132980" cy="454394"/>
+          </a:xfrm>
+          <a:prstGeom prst="rect">
+            <a:avLst/>
+          </a:prstGeom>
+          <a:solidFill>
+            <a:schemeClr val="tx1"/>
+          </a:solidFill>
+          <a:ln>
+            <a:noFill/>
+          </a:ln>
+        </p:spPr>
+        <p:style>
+          <a:lnRef idx="2">
+            <a:schemeClr val="accent1">
+              <a:shade val="50000"/>
+            </a:schemeClr>
+          </a:lnRef>
+          <a:fillRef idx="1">
+            <a:schemeClr val="accent1"/>
+          </a:fillRef>
+          <a:effectRef idx="0">
+            <a:schemeClr val="accent1"/>
+          </a:effectRef>
+          <a:fontRef idx="minor">
+            <a:schemeClr val="lt1"/>
+          </a:fontRef>
+        </p:style>
+        <p:txBody>
+          <a:bodyPr rtlCol="0" anchor="ctr"/>
+          <a:lstStyle/>
+          <a:p>
+            <a:pPr algn="ctr"/>
+            <a:r>
+              <a:rPr lang="ko-KR" altLang="en-US" dirty="0"/>
+              <a:t>비디오</a:t>
+            </a:r>
+          </a:p>
+        </p:txBody>
+      </p:sp>
+      <p:sp>
+        <p:nvSpPr>
+          <p:cNvPr id="36" name="직사각형 35">
+            <a:extLst>
+              <a:ext uri="{FF2B5EF4-FFF2-40B4-BE49-F238E27FC236}">
+                <a16:creationId xmlns:a16="http://schemas.microsoft.com/office/drawing/2014/main" id="{985ECD53-8FD2-4350-8B6E-237C715AD8CB}"/>
+              </a:ext>
+            </a:extLst>
+          </p:cNvPr>
+          <p:cNvSpPr/>
+          <p:nvPr/>
+        </p:nvSpPr>
+        <p:spPr>
+          <a:xfrm>
+            <a:off x="2574523" y="2299317"/>
+            <a:ext cx="4208017" cy="816746"/>
+          </a:xfrm>
+          <a:prstGeom prst="rect">
+            <a:avLst/>
+          </a:prstGeom>
+          <a:solidFill>
+            <a:schemeClr val="bg1">
+              <a:alpha val="0"/>
+            </a:schemeClr>
+          </a:solidFill>
+          <a:ln>
+            <a:solidFill>
+              <a:srgbClr val="FF0000"/>
+            </a:solidFill>
+          </a:ln>
+        </p:spPr>
+        <p:style>
+          <a:lnRef idx="2">
+            <a:schemeClr val="accent1">
+              <a:shade val="50000"/>
+            </a:schemeClr>
+          </a:lnRef>
+          <a:fillRef idx="1">
+            <a:schemeClr val="accent1"/>
+          </a:fillRef>
+          <a:effectRef idx="0">
+            <a:schemeClr val="accent1"/>
+          </a:effectRef>
+          <a:fontRef idx="minor">
+            <a:schemeClr val="lt1"/>
+          </a:fontRef>
+        </p:style>
+        <p:txBody>
+          <a:bodyPr rtlCol="0" anchor="ctr"/>
+          <a:lstStyle/>
+          <a:p>
+            <a:pPr algn="ctr"/>
+            <a:endParaRPr lang="ko-KR" altLang="en-US"/>
+          </a:p>
+        </p:txBody>
+      </p:sp>
+      <p:sp>
+        <p:nvSpPr>
+          <p:cNvPr id="37" name="직사각형 36">
+            <a:extLst>
+              <a:ext uri="{FF2B5EF4-FFF2-40B4-BE49-F238E27FC236}">
+                <a16:creationId xmlns:a16="http://schemas.microsoft.com/office/drawing/2014/main" id="{D5414534-C332-4ECD-8104-0F765366FFBF}"/>
+              </a:ext>
+            </a:extLst>
+          </p:cNvPr>
+          <p:cNvSpPr/>
+          <p:nvPr/>
+        </p:nvSpPr>
+        <p:spPr>
+          <a:xfrm>
+            <a:off x="2463687" y="2190192"/>
+            <a:ext cx="221672" cy="218249"/>
+          </a:xfrm>
+          <a:prstGeom prst="rect">
+            <a:avLst/>
+          </a:prstGeom>
+          <a:solidFill>
+            <a:schemeClr val="bg1"/>
+          </a:solidFill>
+          <a:ln>
+            <a:solidFill>
+              <a:srgbClr val="FF0000"/>
+            </a:solidFill>
+          </a:ln>
+        </p:spPr>
+        <p:style>
+          <a:lnRef idx="2">
+            <a:schemeClr val="accent1">
+              <a:shade val="50000"/>
+            </a:schemeClr>
+          </a:lnRef>
+          <a:fillRef idx="1">
+            <a:schemeClr val="accent1"/>
+          </a:fillRef>
+          <a:effectRef idx="0">
+            <a:schemeClr val="accent1"/>
+          </a:effectRef>
+          <a:fontRef idx="minor">
+            <a:schemeClr val="lt1"/>
+          </a:fontRef>
+        </p:style>
+        <p:txBody>
+          <a:bodyPr rtlCol="0" anchor="ctr"/>
+          <a:lstStyle/>
+          <a:p>
+            <a:pPr algn="ctr"/>
+            <a:r>
+              <a:rPr lang="en-US" altLang="ko-KR" dirty="0">
+                <a:solidFill>
+                  <a:schemeClr val="tx1"/>
+                </a:solidFill>
+              </a:rPr>
+              <a:t>1</a:t>
+            </a:r>
+            <a:endParaRPr lang="ko-KR" altLang="en-US" dirty="0">
+              <a:solidFill>
+                <a:schemeClr val="tx1"/>
+              </a:solidFill>
+            </a:endParaRPr>
+          </a:p>
+        </p:txBody>
+      </p:sp>
+      <p:sp>
+        <p:nvSpPr>
+          <p:cNvPr id="39" name="직사각형 38">
+            <a:extLst>
+              <a:ext uri="{FF2B5EF4-FFF2-40B4-BE49-F238E27FC236}">
+                <a16:creationId xmlns:a16="http://schemas.microsoft.com/office/drawing/2014/main" id="{BC2356C2-4263-4661-8BD3-722A5F227F5C}"/>
+              </a:ext>
+            </a:extLst>
+          </p:cNvPr>
+          <p:cNvSpPr/>
+          <p:nvPr/>
+        </p:nvSpPr>
+        <p:spPr>
+          <a:xfrm>
+            <a:off x="2709041" y="2939318"/>
+            <a:ext cx="3861108" cy="1623804"/>
+          </a:xfrm>
+          <a:prstGeom prst="rect">
+            <a:avLst/>
+          </a:prstGeom>
+          <a:solidFill>
+            <a:schemeClr val="bg1">
+              <a:alpha val="0"/>
+            </a:schemeClr>
+          </a:solidFill>
+          <a:ln>
+            <a:solidFill>
+              <a:srgbClr val="FF0000"/>
+            </a:solidFill>
+          </a:ln>
+        </p:spPr>
+        <p:style>
+          <a:lnRef idx="2">
+            <a:schemeClr val="accent1">
+              <a:shade val="50000"/>
+            </a:schemeClr>
+          </a:lnRef>
+          <a:fillRef idx="1">
+            <a:schemeClr val="accent1"/>
+          </a:fillRef>
+          <a:effectRef idx="0">
+            <a:schemeClr val="accent1"/>
+          </a:effectRef>
+          <a:fontRef idx="minor">
+            <a:schemeClr val="lt1"/>
+          </a:fontRef>
+        </p:style>
+        <p:txBody>
+          <a:bodyPr rtlCol="0" anchor="ctr"/>
+          <a:lstStyle/>
+          <a:p>
+            <a:pPr algn="ctr"/>
+            <a:endParaRPr lang="ko-KR" altLang="en-US"/>
+          </a:p>
+        </p:txBody>
+      </p:sp>
+      <p:sp>
+        <p:nvSpPr>
+          <p:cNvPr id="40" name="직사각형 39">
+            <a:extLst>
+              <a:ext uri="{FF2B5EF4-FFF2-40B4-BE49-F238E27FC236}">
+                <a16:creationId xmlns:a16="http://schemas.microsoft.com/office/drawing/2014/main" id="{B8A6C2C8-2323-4A26-B257-4AECDD40D6D1}"/>
+              </a:ext>
+            </a:extLst>
+          </p:cNvPr>
+          <p:cNvSpPr/>
+          <p:nvPr/>
+        </p:nvSpPr>
+        <p:spPr>
+          <a:xfrm>
+            <a:off x="2602633" y="3255554"/>
+            <a:ext cx="221672" cy="218249"/>
+          </a:xfrm>
+          <a:prstGeom prst="rect">
+            <a:avLst/>
+          </a:prstGeom>
+          <a:solidFill>
+            <a:schemeClr val="bg1"/>
+          </a:solidFill>
+          <a:ln>
+            <a:solidFill>
+              <a:srgbClr val="FF0000"/>
+            </a:solidFill>
+          </a:ln>
+        </p:spPr>
+        <p:style>
+          <a:lnRef idx="2">
+            <a:schemeClr val="accent1">
+              <a:shade val="50000"/>
+            </a:schemeClr>
+          </a:lnRef>
+          <a:fillRef idx="1">
+            <a:schemeClr val="accent1"/>
+          </a:fillRef>
+          <a:effectRef idx="0">
+            <a:schemeClr val="accent1"/>
+          </a:effectRef>
+          <a:fontRef idx="minor">
+            <a:schemeClr val="lt1"/>
+          </a:fontRef>
+        </p:style>
+        <p:txBody>
+          <a:bodyPr rtlCol="0" anchor="ctr"/>
+          <a:lstStyle/>
+          <a:p>
+            <a:pPr algn="ctr"/>
+            <a:r>
+              <a:rPr lang="en-US" altLang="ko-KR" dirty="0">
+                <a:solidFill>
+                  <a:schemeClr val="tx1"/>
+                </a:solidFill>
+              </a:rPr>
+              <a:t>2</a:t>
+            </a:r>
+            <a:endParaRPr lang="ko-KR" altLang="en-US" dirty="0">
+              <a:solidFill>
+                <a:schemeClr val="tx1"/>
+              </a:solidFill>
+            </a:endParaRPr>
+          </a:p>
+        </p:txBody>
+      </p:sp>
+      <p:sp>
+        <p:nvSpPr>
+          <p:cNvPr id="30" name="TextBox 29">
+            <a:extLst>
+              <a:ext uri="{FF2B5EF4-FFF2-40B4-BE49-F238E27FC236}">
+                <a16:creationId xmlns:a16="http://schemas.microsoft.com/office/drawing/2014/main" id="{7F2948F5-2120-4987-918F-7ED863BC7DFA}"/>
+              </a:ext>
+            </a:extLst>
+          </p:cNvPr>
+          <p:cNvSpPr txBox="1"/>
+          <p:nvPr/>
+        </p:nvSpPr>
+        <p:spPr>
+          <a:xfrm>
+            <a:off x="2946399" y="3638927"/>
+            <a:ext cx="997389" cy="276999"/>
+          </a:xfrm>
+          <a:prstGeom prst="rect">
+            <a:avLst/>
+          </a:prstGeom>
+          <a:noFill/>
+        </p:spPr>
+        <p:txBody>
+          <a:bodyPr wrap="none" rtlCol="0">
+            <a:spAutoFit/>
+          </a:bodyPr>
+          <a:lstStyle/>
+          <a:p>
+            <a:r>
+              <a:rPr lang="ko-KR" altLang="en-US" sz="1200">
+                <a:solidFill>
+                  <a:schemeClr val="bg1"/>
+                </a:solidFill>
+              </a:rPr>
+              <a:t>게임 해상도</a:t>
+            </a:r>
+            <a:endParaRPr lang="ko-KR" altLang="en-US" sz="1200" dirty="0">
+              <a:solidFill>
+                <a:schemeClr val="bg1"/>
+              </a:solidFill>
+            </a:endParaRPr>
+          </a:p>
+        </p:txBody>
+      </p:sp>
+      <p:sp>
+        <p:nvSpPr>
+          <p:cNvPr id="34" name="TextBox 33">
+            <a:extLst>
+              <a:ext uri="{FF2B5EF4-FFF2-40B4-BE49-F238E27FC236}">
+                <a16:creationId xmlns:a16="http://schemas.microsoft.com/office/drawing/2014/main" id="{1D859479-EAE7-4E8B-860F-2E60CDDD2132}"/>
+              </a:ext>
+            </a:extLst>
+          </p:cNvPr>
+          <p:cNvSpPr txBox="1"/>
+          <p:nvPr/>
+        </p:nvSpPr>
+        <p:spPr>
+          <a:xfrm>
+            <a:off x="5338065" y="3638927"/>
+            <a:ext cx="1027845" cy="276999"/>
+          </a:xfrm>
+          <a:prstGeom prst="rect">
+            <a:avLst/>
+          </a:prstGeom>
+          <a:noFill/>
+        </p:spPr>
+        <p:txBody>
+          <a:bodyPr wrap="none" rtlCol="0">
+            <a:spAutoFit/>
+          </a:bodyPr>
+          <a:lstStyle/>
+          <a:p>
+            <a:pPr algn="r"/>
+            <a:r>
+              <a:rPr lang="en-US" altLang="ko-KR" sz="1200" dirty="0">
+                <a:solidFill>
+                  <a:schemeClr val="bg1"/>
+                </a:solidFill>
+              </a:rPr>
+              <a:t>1920 x 1080</a:t>
+            </a:r>
+            <a:endParaRPr lang="ko-KR" altLang="en-US" sz="1200" dirty="0">
+              <a:solidFill>
+                <a:schemeClr val="bg1"/>
+              </a:solidFill>
+            </a:endParaRPr>
+          </a:p>
+        </p:txBody>
+      </p:sp>
+    </p:spTree>
+    <p:extLst>
+      <p:ext uri="{BB962C8B-B14F-4D97-AF65-F5344CB8AC3E}">
+        <p14:creationId xmlns:p14="http://schemas.microsoft.com/office/powerpoint/2010/main" val="1656481886"/>
+      </p:ext>
+    </p:extLst>
   </p:cSld>
   <p:clrMapOvr>
     <a:masterClrMapping/>
